--- a/Android/Lesson12/PrincipOOP.pptx
+++ b/Android/Lesson12/PrincipOOP.pptx
@@ -13,6 +13,10 @@
     <p:sldId id="333" r:id="rId7"/>
     <p:sldId id="335" r:id="rId8"/>
     <p:sldId id="336" r:id="rId9"/>
+    <p:sldId id="337" r:id="rId10"/>
+    <p:sldId id="338" r:id="rId11"/>
+    <p:sldId id="340" r:id="rId12"/>
+    <p:sldId id="342" r:id="rId13"/>
   </p:sldIdLst>
   <p:sldSz cx="12192000" cy="6858000"/>
   <p:notesSz cx="6858000" cy="9144000"/>
@@ -344,7 +348,7 @@
             <a:fld id="{5586B75A-687E-405C-8A0B-8D00578BA2C3}" type="datetimeFigureOut">
               <a:rPr lang="en-US" dirty="0"/>
               <a:pPr/>
-              <a:t>10/24/2020</a:t>
+              <a:t>10/27/2020</a:t>
             </a:fld>
             <a:endParaRPr lang="en-US" dirty="0"/>
           </a:p>
@@ -511,7 +515,7 @@
             <a:fld id="{5586B75A-687E-405C-8A0B-8D00578BA2C3}" type="datetimeFigureOut">
               <a:rPr lang="en-US" dirty="0"/>
               <a:pPr/>
-              <a:t>10/24/2020</a:t>
+              <a:t>10/27/2020</a:t>
             </a:fld>
             <a:endParaRPr lang="en-US" dirty="0"/>
           </a:p>
@@ -688,7 +692,7 @@
             <a:fld id="{5586B75A-687E-405C-8A0B-8D00578BA2C3}" type="datetimeFigureOut">
               <a:rPr lang="en-US" dirty="0"/>
               <a:pPr/>
-              <a:t>10/24/2020</a:t>
+              <a:t>10/27/2020</a:t>
             </a:fld>
             <a:endParaRPr lang="en-US" dirty="0"/>
           </a:p>
@@ -855,7 +859,7 @@
             <a:fld id="{5586B75A-687E-405C-8A0B-8D00578BA2C3}" type="datetimeFigureOut">
               <a:rPr lang="en-US" dirty="0"/>
               <a:pPr/>
-              <a:t>10/24/2020</a:t>
+              <a:t>10/27/2020</a:t>
             </a:fld>
             <a:endParaRPr lang="en-US" dirty="0"/>
           </a:p>
@@ -1110,7 +1114,7 @@
             <a:fld id="{5586B75A-687E-405C-8A0B-8D00578BA2C3}" type="datetimeFigureOut">
               <a:rPr lang="en-US" dirty="0"/>
               <a:pPr/>
-              <a:t>10/24/2020</a:t>
+              <a:t>10/27/2020</a:t>
             </a:fld>
             <a:endParaRPr lang="en-US" dirty="0"/>
           </a:p>
@@ -1395,7 +1399,7 @@
             <a:fld id="{5586B75A-687E-405C-8A0B-8D00578BA2C3}" type="datetimeFigureOut">
               <a:rPr lang="en-US" dirty="0"/>
               <a:pPr/>
-              <a:t>10/24/2020</a:t>
+              <a:t>10/27/2020</a:t>
             </a:fld>
             <a:endParaRPr lang="en-US" dirty="0"/>
           </a:p>
@@ -1834,7 +1838,7 @@
             <a:fld id="{5586B75A-687E-405C-8A0B-8D00578BA2C3}" type="datetimeFigureOut">
               <a:rPr lang="en-US" dirty="0"/>
               <a:pPr/>
-              <a:t>10/24/2020</a:t>
+              <a:t>10/27/2020</a:t>
             </a:fld>
             <a:endParaRPr lang="en-US" dirty="0"/>
           </a:p>
@@ -1949,7 +1953,7 @@
             <a:fld id="{5586B75A-687E-405C-8A0B-8D00578BA2C3}" type="datetimeFigureOut">
               <a:rPr lang="en-US" dirty="0"/>
               <a:pPr/>
-              <a:t>10/24/2020</a:t>
+              <a:t>10/27/2020</a:t>
             </a:fld>
             <a:endParaRPr lang="en-US" dirty="0"/>
           </a:p>
@@ -2041,7 +2045,7 @@
             <a:fld id="{5586B75A-687E-405C-8A0B-8D00578BA2C3}" type="datetimeFigureOut">
               <a:rPr lang="en-US" dirty="0"/>
               <a:pPr/>
-              <a:t>10/24/2020</a:t>
+              <a:t>10/27/2020</a:t>
             </a:fld>
             <a:endParaRPr lang="en-US" dirty="0"/>
           </a:p>
@@ -2326,7 +2330,7 @@
             <a:fld id="{5586B75A-687E-405C-8A0B-8D00578BA2C3}" type="datetimeFigureOut">
               <a:rPr lang="en-US" dirty="0"/>
               <a:pPr/>
-              <a:t>10/24/2020</a:t>
+              <a:t>10/27/2020</a:t>
             </a:fld>
             <a:endParaRPr lang="en-US" dirty="0"/>
           </a:p>
@@ -2596,7 +2600,7 @@
             <a:fld id="{5586B75A-687E-405C-8A0B-8D00578BA2C3}" type="datetimeFigureOut">
               <a:rPr lang="en-US" dirty="0"/>
               <a:pPr/>
-              <a:t>10/24/2020</a:t>
+              <a:t>10/27/2020</a:t>
             </a:fld>
             <a:endParaRPr lang="en-US" dirty="0"/>
           </a:p>
@@ -2890,7 +2894,7 @@
             <a:fld id="{5586B75A-687E-405C-8A0B-8D00578BA2C3}" type="datetimeFigureOut">
               <a:rPr lang="en-US" dirty="0"/>
               <a:pPr/>
-              <a:t>10/24/2020</a:t>
+              <a:t>10/27/2020</a:t>
             </a:fld>
             <a:endParaRPr lang="en-US" dirty="0"/>
           </a:p>
@@ -3678,6 +3682,3538 @@
 </p:sld>
 </file>
 
+<file path=ppt/slides/slide10.xml><?xml version="1.0" encoding="utf-8"?>
+<p:sld xmlns:a="http://schemas.openxmlformats.org/drawingml/2006/main" xmlns:r="http://schemas.openxmlformats.org/officeDocument/2006/relationships" xmlns:p="http://schemas.openxmlformats.org/presentationml/2006/main">
+  <p:cSld>
+    <p:bg>
+      <p:bgPr>
+        <a:solidFill>
+          <a:schemeClr val="bg1"/>
+        </a:solidFill>
+        <a:effectLst/>
+      </p:bgPr>
+    </p:bg>
+    <p:spTree>
+      <p:nvGrpSpPr>
+        <p:cNvPr id="1" name=""/>
+        <p:cNvGrpSpPr/>
+        <p:nvPr/>
+      </p:nvGrpSpPr>
+      <p:grpSpPr>
+        <a:xfrm>
+          <a:off x="0" y="0"/>
+          <a:ext cx="0" cy="0"/>
+          <a:chOff x="0" y="0"/>
+          <a:chExt cx="0" cy="0"/>
+        </a:xfrm>
+      </p:grpSpPr>
+      <p:sp useBgFill="1">
+        <p:nvSpPr>
+          <p:cNvPr id="135" name="Rectangle 134">
+            <a:extLst>
+              <a:ext uri="{FF2B5EF4-FFF2-40B4-BE49-F238E27FC236}">
+                <a16:creationId xmlns:a16="http://schemas.microsoft.com/office/drawing/2014/main" id="{9203ABB4-7E2A-4248-9FE7-4A419AFF2F17}"/>
+              </a:ext>
+              <a:ext uri="{C183D7F6-B498-43B3-948B-1728B52AA6E4}">
+                <adec:decorative xmlns:adec="http://schemas.microsoft.com/office/drawing/2017/decorative" val="1"/>
+              </a:ext>
+            </a:extLst>
+          </p:cNvPr>
+          <p:cNvSpPr>
+            <a:spLocks noGrp="1" noRot="1" noChangeAspect="1" noMove="1" noResize="1" noEditPoints="1" noAdjustHandles="1" noChangeArrowheads="1" noChangeShapeType="1" noTextEdit="1"/>
+          </p:cNvSpPr>
+          <p:nvPr>
+            <p:extLst>
+              <p:ext uri="{386F3935-93C4-4BCD-93E2-E3B085C9AB24}">
+                <p16:designElem xmlns:p16="http://schemas.microsoft.com/office/powerpoint/2015/main" val="1"/>
+              </p:ext>
+            </p:extLst>
+          </p:nvPr>
+        </p:nvSpPr>
+        <p:spPr>
+          <a:xfrm>
+            <a:off x="0" y="0"/>
+            <a:ext cx="12191999" cy="6858000"/>
+          </a:xfrm>
+          <a:prstGeom prst="rect">
+            <a:avLst/>
+          </a:prstGeom>
+          <a:ln>
+            <a:noFill/>
+          </a:ln>
+        </p:spPr>
+        <p:style>
+          <a:lnRef idx="2">
+            <a:schemeClr val="accent1">
+              <a:shade val="50000"/>
+            </a:schemeClr>
+          </a:lnRef>
+          <a:fillRef idx="1">
+            <a:schemeClr val="accent1"/>
+          </a:fillRef>
+          <a:effectRef idx="0">
+            <a:schemeClr val="accent1"/>
+          </a:effectRef>
+          <a:fontRef idx="minor">
+            <a:schemeClr val="lt1"/>
+          </a:fontRef>
+        </p:style>
+        <p:txBody>
+          <a:bodyPr rtlCol="0" anchor="ctr"/>
+          <a:lstStyle/>
+          <a:p>
+            <a:pPr marL="0" marR="0" lvl="0" indent="0" algn="ctr" defTabSz="457200" rtl="0" eaLnBrk="1" fontAlgn="auto" latinLnBrk="0" hangingPunct="1">
+              <a:lnSpc>
+                <a:spcPct val="100000"/>
+              </a:lnSpc>
+              <a:spcBef>
+                <a:spcPts val="0"/>
+              </a:spcBef>
+              <a:spcAft>
+                <a:spcPts val="0"/>
+              </a:spcAft>
+              <a:buClrTx/>
+              <a:buSzTx/>
+              <a:buFontTx/>
+              <a:buNone/>
+              <a:tabLst/>
+              <a:defRPr/>
+            </a:pPr>
+            <a:endParaRPr kumimoji="0" lang="en-US" sz="1800" b="0" i="0" u="none" strike="noStrike" kern="1200" cap="none" spc="0" normalizeH="0" baseline="0" noProof="0">
+              <a:ln>
+                <a:noFill/>
+              </a:ln>
+              <a:solidFill>
+                <a:srgbClr val="FFFFFF"/>
+              </a:solidFill>
+              <a:effectLst/>
+              <a:uLnTx/>
+              <a:uFillTx/>
+              <a:latin typeface="Corbel" panose="020B0503020204020204"/>
+              <a:ea typeface="+mn-ea"/>
+              <a:cs typeface="+mn-cs"/>
+            </a:endParaRPr>
+          </a:p>
+        </p:txBody>
+      </p:sp>
+      <p:sp>
+        <p:nvSpPr>
+          <p:cNvPr id="137" name="Rectangle 136">
+            <a:extLst>
+              <a:ext uri="{FF2B5EF4-FFF2-40B4-BE49-F238E27FC236}">
+                <a16:creationId xmlns:a16="http://schemas.microsoft.com/office/drawing/2014/main" id="{3126970D-C1E5-4FB1-84E8-86CB9CED1C80}"/>
+              </a:ext>
+              <a:ext uri="{C183D7F6-B498-43B3-948B-1728B52AA6E4}">
+                <adec:decorative xmlns:adec="http://schemas.microsoft.com/office/drawing/2017/decorative" val="1"/>
+              </a:ext>
+            </a:extLst>
+          </p:cNvPr>
+          <p:cNvSpPr>
+            <a:spLocks noGrp="1" noRot="1" noChangeAspect="1" noMove="1" noResize="1" noEditPoints="1" noAdjustHandles="1" noChangeArrowheads="1" noChangeShapeType="1" noTextEdit="1"/>
+          </p:cNvSpPr>
+          <p:nvPr>
+            <p:extLst>
+              <p:ext uri="{386F3935-93C4-4BCD-93E2-E3B085C9AB24}">
+                <p16:designElem xmlns:p16="http://schemas.microsoft.com/office/powerpoint/2015/main" val="1"/>
+              </p:ext>
+            </p:extLst>
+          </p:nvPr>
+        </p:nvSpPr>
+        <p:spPr>
+          <a:xfrm>
+            <a:off x="0" y="4367639"/>
+            <a:ext cx="11707367" cy="1852186"/>
+          </a:xfrm>
+          <a:prstGeom prst="rect">
+            <a:avLst/>
+          </a:prstGeom>
+          <a:solidFill>
+            <a:schemeClr val="accent1"/>
+          </a:solidFill>
+          <a:ln>
+            <a:noFill/>
+          </a:ln>
+        </p:spPr>
+        <p:style>
+          <a:lnRef idx="2">
+            <a:schemeClr val="accent1">
+              <a:shade val="50000"/>
+            </a:schemeClr>
+          </a:lnRef>
+          <a:fillRef idx="1">
+            <a:schemeClr val="accent1"/>
+          </a:fillRef>
+          <a:effectRef idx="0">
+            <a:schemeClr val="accent1"/>
+          </a:effectRef>
+          <a:fontRef idx="minor">
+            <a:schemeClr val="lt1"/>
+          </a:fontRef>
+        </p:style>
+      </p:sp>
+      <p:sp>
+        <p:nvSpPr>
+          <p:cNvPr id="28" name="Заголовок 1">
+            <a:extLst>
+              <a:ext uri="{FF2B5EF4-FFF2-40B4-BE49-F238E27FC236}">
+                <a16:creationId xmlns:a16="http://schemas.microsoft.com/office/drawing/2014/main" id="{A1800B60-BA5D-4BD9-AAE0-43620F882506}"/>
+              </a:ext>
+            </a:extLst>
+          </p:cNvPr>
+          <p:cNvSpPr txBox="1">
+            <a:spLocks/>
+          </p:cNvSpPr>
+          <p:nvPr/>
+        </p:nvSpPr>
+        <p:spPr>
+          <a:xfrm>
+            <a:off x="274718" y="4690051"/>
+            <a:ext cx="10210862" cy="1293305"/>
+          </a:xfrm>
+          <a:prstGeom prst="rect">
+            <a:avLst/>
+          </a:prstGeom>
+        </p:spPr>
+        <p:txBody>
+          <a:bodyPr vert="horz" lIns="91440" tIns="45720" rIns="91440" bIns="45720" rtlCol="0" anchor="b">
+            <a:normAutofit/>
+          </a:bodyPr>
+          <a:lstStyle>
+            <a:lvl1pPr algn="l" defTabSz="914400" rtl="0" eaLnBrk="1" latinLnBrk="0" hangingPunct="1">
+              <a:lnSpc>
+                <a:spcPct val="90000"/>
+              </a:lnSpc>
+              <a:spcBef>
+                <a:spcPct val="0"/>
+              </a:spcBef>
+              <a:buNone/>
+              <a:defRPr sz="5900" kern="1200" spc="-100" baseline="0">
+                <a:solidFill>
+                  <a:srgbClr val="FFFFFF"/>
+                </a:solidFill>
+                <a:latin typeface="+mj-lt"/>
+                <a:ea typeface="+mj-ea"/>
+                <a:cs typeface="+mj-cs"/>
+              </a:defRPr>
+            </a:lvl1pPr>
+          </a:lstStyle>
+          <a:p>
+            <a:pPr>
+              <a:spcAft>
+                <a:spcPts val="600"/>
+              </a:spcAft>
+              <a:buClr>
+                <a:srgbClr val="40BAD2"/>
+              </a:buClr>
+              <a:defRPr/>
+            </a:pPr>
+            <a:r>
+              <a:rPr lang="ru-RU" sz="3200" b="1" dirty="0"/>
+              <a:t>Ключевые слова </a:t>
+            </a:r>
+            <a:r>
+              <a:rPr lang="en-US" sz="3200" b="1" dirty="0"/>
+              <a:t>this</a:t>
+            </a:r>
+            <a:r>
+              <a:rPr lang="ru-RU" sz="3200" b="1" dirty="0"/>
+              <a:t> и </a:t>
+            </a:r>
+            <a:r>
+              <a:rPr lang="en-US" sz="3200" b="1" dirty="0"/>
+              <a:t>super</a:t>
+            </a:r>
+            <a:br>
+              <a:rPr lang="en-US" sz="3200" b="1" dirty="0"/>
+            </a:br>
+            <a:endParaRPr lang="en-US" sz="3200" b="1" dirty="0"/>
+          </a:p>
+        </p:txBody>
+      </p:sp>
+      <p:sp>
+        <p:nvSpPr>
+          <p:cNvPr id="5" name="Прямоугольник 4">
+            <a:extLst>
+              <a:ext uri="{FF2B5EF4-FFF2-40B4-BE49-F238E27FC236}">
+                <a16:creationId xmlns:a16="http://schemas.microsoft.com/office/drawing/2014/main" id="{CD3021E2-F496-49D5-8963-37F8352ABFF8}"/>
+              </a:ext>
+            </a:extLst>
+          </p:cNvPr>
+          <p:cNvSpPr/>
+          <p:nvPr/>
+        </p:nvSpPr>
+        <p:spPr>
+          <a:xfrm>
+            <a:off x="484633" y="372249"/>
+            <a:ext cx="5611367" cy="3645293"/>
+          </a:xfrm>
+          <a:prstGeom prst="rect">
+            <a:avLst/>
+          </a:prstGeom>
+        </p:spPr>
+        <p:txBody>
+          <a:bodyPr wrap="square">
+            <a:spAutoFit/>
+          </a:bodyPr>
+          <a:lstStyle/>
+          <a:p>
+            <a:pPr>
+              <a:lnSpc>
+                <a:spcPct val="80000"/>
+              </a:lnSpc>
+            </a:pPr>
+            <a:r>
+              <a:rPr lang="en-US" sz="2400" dirty="0">
+                <a:solidFill>
+                  <a:srgbClr val="A626A4"/>
+                </a:solidFill>
+                <a:latin typeface="SFMono-Regular"/>
+              </a:rPr>
+              <a:t>public class</a:t>
+            </a:r>
+            <a:r>
+              <a:rPr lang="en-US" sz="2400" dirty="0">
+                <a:solidFill>
+                  <a:srgbClr val="383A42"/>
+                </a:solidFill>
+                <a:latin typeface="SFMono-Regular"/>
+              </a:rPr>
+              <a:t> Unit</a:t>
+            </a:r>
+            <a:r>
+              <a:rPr lang="ru-RU" sz="2400" dirty="0">
+                <a:solidFill>
+                  <a:srgbClr val="A626A4"/>
+                </a:solidFill>
+                <a:latin typeface="SFMono-Regular"/>
+              </a:rPr>
+              <a:t> {</a:t>
+            </a:r>
+            <a:endParaRPr lang="en-US" sz="2400" dirty="0">
+              <a:solidFill>
+                <a:srgbClr val="A626A4"/>
+              </a:solidFill>
+              <a:latin typeface="SFMono-Regular"/>
+            </a:endParaRPr>
+          </a:p>
+          <a:p>
+            <a:pPr>
+              <a:lnSpc>
+                <a:spcPct val="80000"/>
+              </a:lnSpc>
+            </a:pPr>
+            <a:r>
+              <a:rPr lang="en-US" sz="2400" dirty="0">
+                <a:solidFill>
+                  <a:srgbClr val="A626A4"/>
+                </a:solidFill>
+                <a:latin typeface="SFMono-Regular"/>
+              </a:rPr>
+              <a:t>	</a:t>
+            </a:r>
+            <a:r>
+              <a:rPr lang="en-US" sz="2400" dirty="0">
+                <a:solidFill>
+                  <a:srgbClr val="986801"/>
+                </a:solidFill>
+                <a:latin typeface="SFMono-Regular"/>
+              </a:rPr>
+              <a:t>String</a:t>
+            </a:r>
+            <a:r>
+              <a:rPr lang="en-US" sz="2400" dirty="0">
+                <a:solidFill>
+                  <a:srgbClr val="A626A4"/>
+                </a:solidFill>
+                <a:latin typeface="SFMono-Regular"/>
+              </a:rPr>
+              <a:t> </a:t>
+            </a:r>
+            <a:r>
+              <a:rPr lang="en-US" sz="2400" dirty="0">
+                <a:solidFill>
+                  <a:srgbClr val="383A42"/>
+                </a:solidFill>
+                <a:latin typeface="SFMono-Regular"/>
+              </a:rPr>
+              <a:t>name;</a:t>
+            </a:r>
+            <a:r>
+              <a:rPr lang="ru-RU" sz="2400" dirty="0">
+                <a:solidFill>
+                  <a:srgbClr val="383A42"/>
+                </a:solidFill>
+                <a:latin typeface="SFMono-Regular"/>
+              </a:rPr>
+              <a:t> </a:t>
+            </a:r>
+          </a:p>
+          <a:p>
+            <a:pPr>
+              <a:lnSpc>
+                <a:spcPct val="80000"/>
+              </a:lnSpc>
+            </a:pPr>
+            <a:r>
+              <a:rPr lang="ru-RU" sz="2400" dirty="0">
+                <a:solidFill>
+                  <a:srgbClr val="383A42"/>
+                </a:solidFill>
+                <a:latin typeface="SFMono-Regular"/>
+              </a:rPr>
+              <a:t>	</a:t>
+            </a:r>
+            <a:r>
+              <a:rPr lang="en-US" sz="2400" dirty="0">
+                <a:solidFill>
+                  <a:srgbClr val="986801"/>
+                </a:solidFill>
+                <a:latin typeface="SFMono-Regular"/>
+              </a:rPr>
+              <a:t>int </a:t>
+            </a:r>
+            <a:r>
+              <a:rPr lang="en-US" sz="2400" dirty="0">
+                <a:solidFill>
+                  <a:srgbClr val="383A42"/>
+                </a:solidFill>
+                <a:latin typeface="SFMono-Regular"/>
+              </a:rPr>
+              <a:t>health</a:t>
+            </a:r>
+            <a:r>
+              <a:rPr lang="ru-RU" sz="2400" dirty="0">
+                <a:solidFill>
+                  <a:srgbClr val="383A42"/>
+                </a:solidFill>
+                <a:latin typeface="SFMono-Regular"/>
+              </a:rPr>
+              <a:t>; </a:t>
+            </a:r>
+          </a:p>
+          <a:p>
+            <a:pPr>
+              <a:lnSpc>
+                <a:spcPct val="80000"/>
+              </a:lnSpc>
+            </a:pPr>
+            <a:endParaRPr lang="en-US" sz="2400" i="1" dirty="0">
+              <a:solidFill>
+                <a:srgbClr val="A0A1A7"/>
+              </a:solidFill>
+              <a:latin typeface="SFMono-Regular"/>
+            </a:endParaRPr>
+          </a:p>
+          <a:p>
+            <a:pPr>
+              <a:lnSpc>
+                <a:spcPct val="80000"/>
+              </a:lnSpc>
+            </a:pPr>
+            <a:r>
+              <a:rPr lang="en-US" sz="2400" i="1" dirty="0">
+                <a:solidFill>
+                  <a:srgbClr val="A0A1A7"/>
+                </a:solidFill>
+                <a:latin typeface="SFMono-Regular"/>
+              </a:rPr>
+              <a:t>	</a:t>
+            </a:r>
+            <a:r>
+              <a:rPr lang="en-US" sz="2400" dirty="0">
+                <a:solidFill>
+                  <a:srgbClr val="986801"/>
+                </a:solidFill>
+                <a:latin typeface="SFMono-Regular"/>
+              </a:rPr>
+              <a:t>public</a:t>
+            </a:r>
+            <a:r>
+              <a:rPr lang="en-US" sz="2400" dirty="0">
+                <a:solidFill>
+                  <a:srgbClr val="383A42"/>
+                </a:solidFill>
+                <a:latin typeface="SFMono-Regular"/>
+              </a:rPr>
+              <a:t> </a:t>
+            </a:r>
+            <a:r>
+              <a:rPr lang="en-US" sz="2400" dirty="0">
+                <a:solidFill>
+                  <a:srgbClr val="C00000"/>
+                </a:solidFill>
+                <a:latin typeface="SFMono-Regular"/>
+              </a:rPr>
+              <a:t>Unit</a:t>
+            </a:r>
+            <a:r>
+              <a:rPr lang="en-US" sz="2400" dirty="0">
+                <a:solidFill>
+                  <a:srgbClr val="383A42"/>
+                </a:solidFill>
+                <a:latin typeface="SFMono-Regular"/>
+              </a:rPr>
+              <a:t>() {	}</a:t>
+            </a:r>
+            <a:endParaRPr lang="ru-RU" sz="2400" dirty="0">
+              <a:solidFill>
+                <a:srgbClr val="383A42"/>
+              </a:solidFill>
+              <a:latin typeface="SFMono-Regular"/>
+            </a:endParaRPr>
+          </a:p>
+          <a:p>
+            <a:pPr>
+              <a:lnSpc>
+                <a:spcPct val="80000"/>
+              </a:lnSpc>
+            </a:pPr>
+            <a:endParaRPr lang="en-US" sz="2400" i="1" dirty="0">
+              <a:solidFill>
+                <a:srgbClr val="A0A1A7"/>
+              </a:solidFill>
+              <a:latin typeface="SFMono-Regular"/>
+            </a:endParaRPr>
+          </a:p>
+          <a:p>
+            <a:pPr>
+              <a:lnSpc>
+                <a:spcPct val="80000"/>
+              </a:lnSpc>
+            </a:pPr>
+            <a:r>
+              <a:rPr lang="en-US" sz="2400" dirty="0">
+                <a:solidFill>
+                  <a:srgbClr val="383A42"/>
+                </a:solidFill>
+                <a:latin typeface="SFMono-Regular"/>
+              </a:rPr>
+              <a:t>	</a:t>
+            </a:r>
+            <a:r>
+              <a:rPr lang="en-US" sz="2400" dirty="0">
+                <a:solidFill>
+                  <a:srgbClr val="986801"/>
+                </a:solidFill>
+                <a:latin typeface="SFMono-Regular"/>
+              </a:rPr>
+              <a:t>public</a:t>
+            </a:r>
+            <a:r>
+              <a:rPr lang="en-US" sz="2400" dirty="0">
+                <a:solidFill>
+                  <a:srgbClr val="383A42"/>
+                </a:solidFill>
+                <a:latin typeface="SFMono-Regular"/>
+              </a:rPr>
+              <a:t> </a:t>
+            </a:r>
+            <a:r>
+              <a:rPr lang="en-US" sz="2400" dirty="0">
+                <a:solidFill>
+                  <a:srgbClr val="C00000"/>
+                </a:solidFill>
+                <a:latin typeface="SFMono-Regular"/>
+              </a:rPr>
+              <a:t>Unit</a:t>
+            </a:r>
+            <a:r>
+              <a:rPr lang="en-US" sz="2400" dirty="0">
+                <a:solidFill>
+                  <a:srgbClr val="383A42"/>
+                </a:solidFill>
+                <a:latin typeface="SFMono-Regular"/>
+              </a:rPr>
+              <a:t>(</a:t>
+            </a:r>
+            <a:r>
+              <a:rPr lang="en-US" sz="2400" dirty="0">
+                <a:solidFill>
+                  <a:srgbClr val="986801"/>
+                </a:solidFill>
+                <a:latin typeface="SFMono-Regular"/>
+              </a:rPr>
+              <a:t>String</a:t>
+            </a:r>
+            <a:r>
+              <a:rPr lang="en-US" sz="2400" dirty="0">
+                <a:solidFill>
+                  <a:srgbClr val="383A42"/>
+                </a:solidFill>
+                <a:latin typeface="SFMono-Regular"/>
+              </a:rPr>
+              <a:t> name, </a:t>
+            </a:r>
+            <a:r>
+              <a:rPr lang="en-US" sz="2400" dirty="0">
+                <a:solidFill>
+                  <a:srgbClr val="986801"/>
+                </a:solidFill>
+                <a:latin typeface="SFMono-Regular"/>
+              </a:rPr>
+              <a:t>int</a:t>
+            </a:r>
+            <a:r>
+              <a:rPr lang="en-US" sz="2400" dirty="0">
+                <a:solidFill>
+                  <a:srgbClr val="383A42"/>
+                </a:solidFill>
+                <a:latin typeface="SFMono-Regular"/>
+              </a:rPr>
+              <a:t> health) {</a:t>
+            </a:r>
+          </a:p>
+          <a:p>
+            <a:pPr>
+              <a:lnSpc>
+                <a:spcPct val="80000"/>
+              </a:lnSpc>
+            </a:pPr>
+            <a:r>
+              <a:rPr lang="en-US" sz="2400" dirty="0">
+                <a:solidFill>
+                  <a:srgbClr val="383A42"/>
+                </a:solidFill>
+                <a:latin typeface="SFMono-Regular"/>
+              </a:rPr>
+              <a:t>		this.name = name;</a:t>
+            </a:r>
+          </a:p>
+          <a:p>
+            <a:pPr>
+              <a:lnSpc>
+                <a:spcPct val="80000"/>
+              </a:lnSpc>
+            </a:pPr>
+            <a:r>
+              <a:rPr lang="en-US" sz="2400" dirty="0">
+                <a:solidFill>
+                  <a:srgbClr val="383A42"/>
+                </a:solidFill>
+                <a:latin typeface="SFMono-Regular"/>
+              </a:rPr>
+              <a:t>		</a:t>
+            </a:r>
+            <a:r>
+              <a:rPr lang="en-US" sz="2400" dirty="0" err="1">
+                <a:solidFill>
+                  <a:srgbClr val="383A42"/>
+                </a:solidFill>
+                <a:latin typeface="SFMono-Regular"/>
+              </a:rPr>
+              <a:t>this.health</a:t>
+            </a:r>
+            <a:r>
+              <a:rPr lang="en-US" sz="2400" dirty="0">
+                <a:solidFill>
+                  <a:srgbClr val="383A42"/>
+                </a:solidFill>
+                <a:latin typeface="SFMono-Regular"/>
+              </a:rPr>
+              <a:t> = health; </a:t>
+            </a:r>
+          </a:p>
+          <a:p>
+            <a:pPr>
+              <a:lnSpc>
+                <a:spcPct val="80000"/>
+              </a:lnSpc>
+            </a:pPr>
+            <a:r>
+              <a:rPr lang="en-US" sz="2400" dirty="0">
+                <a:solidFill>
+                  <a:srgbClr val="383A42"/>
+                </a:solidFill>
+                <a:latin typeface="SFMono-Regular"/>
+              </a:rPr>
+              <a:t>	}</a:t>
+            </a:r>
+          </a:p>
+          <a:p>
+            <a:pPr>
+              <a:lnSpc>
+                <a:spcPct val="80000"/>
+              </a:lnSpc>
+            </a:pPr>
+            <a:r>
+              <a:rPr lang="en-US" sz="2400" dirty="0">
+                <a:solidFill>
+                  <a:srgbClr val="383A42"/>
+                </a:solidFill>
+                <a:latin typeface="SFMono-Regular"/>
+              </a:rPr>
+              <a:t>…</a:t>
+            </a:r>
+            <a:endParaRPr lang="ru-RU" sz="2400" dirty="0">
+              <a:solidFill>
+                <a:srgbClr val="383A42"/>
+              </a:solidFill>
+              <a:latin typeface="SFMono-Regular"/>
+            </a:endParaRPr>
+          </a:p>
+          <a:p>
+            <a:pPr>
+              <a:lnSpc>
+                <a:spcPct val="80000"/>
+              </a:lnSpc>
+            </a:pPr>
+            <a:r>
+              <a:rPr lang="ru-RU" sz="2400" dirty="0">
+                <a:solidFill>
+                  <a:srgbClr val="A626A4"/>
+                </a:solidFill>
+                <a:latin typeface="SFMono-Regular"/>
+              </a:rPr>
+              <a:t>}</a:t>
+            </a:r>
+          </a:p>
+        </p:txBody>
+      </p:sp>
+      <p:sp>
+        <p:nvSpPr>
+          <p:cNvPr id="6" name="Прямоугольник 5">
+            <a:extLst>
+              <a:ext uri="{FF2B5EF4-FFF2-40B4-BE49-F238E27FC236}">
+                <a16:creationId xmlns:a16="http://schemas.microsoft.com/office/drawing/2014/main" id="{81C3BD4A-45D6-4902-BB59-1A13D0712F11}"/>
+              </a:ext>
+            </a:extLst>
+          </p:cNvPr>
+          <p:cNvSpPr/>
+          <p:nvPr/>
+        </p:nvSpPr>
+        <p:spPr>
+          <a:xfrm>
+            <a:off x="5899893" y="202697"/>
+            <a:ext cx="5722138" cy="4086381"/>
+          </a:xfrm>
+          <a:prstGeom prst="rect">
+            <a:avLst/>
+          </a:prstGeom>
+          <a:noFill/>
+          <a:ln w="38100">
+            <a:solidFill>
+              <a:schemeClr val="tx1">
+                <a:lumMod val="50000"/>
+                <a:lumOff val="50000"/>
+              </a:schemeClr>
+            </a:solidFill>
+          </a:ln>
+        </p:spPr>
+        <p:style>
+          <a:lnRef idx="2">
+            <a:schemeClr val="accent1">
+              <a:shade val="50000"/>
+            </a:schemeClr>
+          </a:lnRef>
+          <a:fillRef idx="1">
+            <a:schemeClr val="accent1"/>
+          </a:fillRef>
+          <a:effectRef idx="0">
+            <a:schemeClr val="accent1"/>
+          </a:effectRef>
+          <a:fontRef idx="minor">
+            <a:schemeClr val="lt1"/>
+          </a:fontRef>
+        </p:style>
+        <p:txBody>
+          <a:bodyPr rtlCol="0" anchor="ctr"/>
+          <a:lstStyle/>
+          <a:p>
+            <a:pPr algn="ctr"/>
+            <a:endParaRPr lang="ru-RU">
+              <a:noFill/>
+            </a:endParaRPr>
+          </a:p>
+        </p:txBody>
+      </p:sp>
+      <p:sp>
+        <p:nvSpPr>
+          <p:cNvPr id="7" name="Прямоугольник 6">
+            <a:extLst>
+              <a:ext uri="{FF2B5EF4-FFF2-40B4-BE49-F238E27FC236}">
+                <a16:creationId xmlns:a16="http://schemas.microsoft.com/office/drawing/2014/main" id="{2814B0E0-2E61-4C32-8688-087D35674890}"/>
+              </a:ext>
+            </a:extLst>
+          </p:cNvPr>
+          <p:cNvSpPr/>
+          <p:nvPr/>
+        </p:nvSpPr>
+        <p:spPr>
+          <a:xfrm>
+            <a:off x="5978777" y="265674"/>
+            <a:ext cx="5736802" cy="2167966"/>
+          </a:xfrm>
+          <a:prstGeom prst="rect">
+            <a:avLst/>
+          </a:prstGeom>
+        </p:spPr>
+        <p:txBody>
+          <a:bodyPr wrap="square">
+            <a:spAutoFit/>
+          </a:bodyPr>
+          <a:lstStyle/>
+          <a:p>
+            <a:pPr>
+              <a:lnSpc>
+                <a:spcPct val="80000"/>
+              </a:lnSpc>
+            </a:pPr>
+            <a:r>
+              <a:rPr lang="en-US" sz="2400" dirty="0">
+                <a:solidFill>
+                  <a:srgbClr val="A626A4"/>
+                </a:solidFill>
+                <a:latin typeface="SFMono-Regular"/>
+              </a:rPr>
+              <a:t>public class</a:t>
+            </a:r>
+            <a:r>
+              <a:rPr lang="en-US" sz="2400" dirty="0">
+                <a:solidFill>
+                  <a:srgbClr val="383A42"/>
+                </a:solidFill>
+                <a:latin typeface="SFMono-Regular"/>
+              </a:rPr>
+              <a:t> Human</a:t>
+            </a:r>
+            <a:r>
+              <a:rPr lang="ru-RU" sz="2400" dirty="0">
+                <a:solidFill>
+                  <a:srgbClr val="A626A4"/>
+                </a:solidFill>
+                <a:latin typeface="SFMono-Regular"/>
+              </a:rPr>
+              <a:t> </a:t>
+            </a:r>
+            <a:r>
+              <a:rPr lang="en-US" sz="2400" dirty="0">
+                <a:solidFill>
+                  <a:srgbClr val="A626A4"/>
+                </a:solidFill>
+                <a:latin typeface="SFMono-Regular"/>
+              </a:rPr>
+              <a:t>extends </a:t>
+            </a:r>
+            <a:r>
+              <a:rPr lang="en-US" sz="2400" dirty="0">
+                <a:solidFill>
+                  <a:srgbClr val="383A42"/>
+                </a:solidFill>
+                <a:latin typeface="SFMono-Regular"/>
+              </a:rPr>
+              <a:t>Unit </a:t>
+            </a:r>
+            <a:r>
+              <a:rPr lang="ru-RU" sz="2400" dirty="0">
+                <a:solidFill>
+                  <a:srgbClr val="A626A4"/>
+                </a:solidFill>
+                <a:latin typeface="SFMono-Regular"/>
+              </a:rPr>
+              <a:t>{</a:t>
+            </a:r>
+            <a:endParaRPr lang="en-US" sz="2400" dirty="0">
+              <a:solidFill>
+                <a:srgbClr val="A626A4"/>
+              </a:solidFill>
+              <a:latin typeface="SFMono-Regular"/>
+            </a:endParaRPr>
+          </a:p>
+          <a:p>
+            <a:pPr>
+              <a:lnSpc>
+                <a:spcPct val="80000"/>
+              </a:lnSpc>
+            </a:pPr>
+            <a:r>
+              <a:rPr lang="en-US" sz="2400" dirty="0">
+                <a:solidFill>
+                  <a:srgbClr val="383A42"/>
+                </a:solidFill>
+                <a:latin typeface="SFMono-Regular"/>
+              </a:rPr>
+              <a:t>	</a:t>
+            </a:r>
+          </a:p>
+          <a:p>
+            <a:pPr>
+              <a:lnSpc>
+                <a:spcPct val="80000"/>
+              </a:lnSpc>
+            </a:pPr>
+            <a:r>
+              <a:rPr lang="en-US" sz="2400" dirty="0">
+                <a:solidFill>
+                  <a:srgbClr val="383A42"/>
+                </a:solidFill>
+                <a:latin typeface="SFMono-Regular"/>
+              </a:rPr>
+              <a:t>	</a:t>
+            </a:r>
+            <a:r>
+              <a:rPr lang="en-US" sz="2400" dirty="0">
+                <a:solidFill>
+                  <a:srgbClr val="986801"/>
+                </a:solidFill>
+                <a:latin typeface="SFMono-Regular"/>
+              </a:rPr>
+              <a:t>public</a:t>
+            </a:r>
+            <a:r>
+              <a:rPr lang="en-US" sz="2400" b="0" i="0" dirty="0">
+                <a:solidFill>
+                  <a:srgbClr val="383A42"/>
+                </a:solidFill>
+                <a:effectLst/>
+                <a:latin typeface="SFMono-Regular"/>
+              </a:rPr>
+              <a:t> </a:t>
+            </a:r>
+            <a:r>
+              <a:rPr lang="en-US" sz="2400" dirty="0">
+                <a:solidFill>
+                  <a:srgbClr val="C00000"/>
+                </a:solidFill>
+                <a:latin typeface="SFMono-Regular"/>
+              </a:rPr>
+              <a:t>Human</a:t>
+            </a:r>
+            <a:r>
+              <a:rPr lang="en-US" sz="2400" dirty="0">
+                <a:solidFill>
+                  <a:srgbClr val="383A42"/>
+                </a:solidFill>
+                <a:latin typeface="SFMono-Regular"/>
+              </a:rPr>
+              <a:t>(</a:t>
+            </a:r>
+            <a:r>
+              <a:rPr lang="en-US" sz="2400" dirty="0">
+                <a:solidFill>
+                  <a:srgbClr val="986801"/>
+                </a:solidFill>
+                <a:latin typeface="SFMono-Regular"/>
+              </a:rPr>
+              <a:t>String</a:t>
+            </a:r>
+            <a:r>
+              <a:rPr lang="en-US" sz="2400" dirty="0">
+                <a:solidFill>
+                  <a:srgbClr val="383A42"/>
+                </a:solidFill>
+                <a:latin typeface="SFMono-Regular"/>
+              </a:rPr>
+              <a:t> name, </a:t>
+            </a:r>
+            <a:r>
+              <a:rPr lang="en-US" sz="2400" dirty="0">
+                <a:solidFill>
+                  <a:srgbClr val="986801"/>
+                </a:solidFill>
+                <a:latin typeface="SFMono-Regular"/>
+              </a:rPr>
+              <a:t>int</a:t>
+            </a:r>
+            <a:r>
+              <a:rPr lang="en-US" sz="2400" dirty="0">
+                <a:solidFill>
+                  <a:srgbClr val="383A42"/>
+                </a:solidFill>
+                <a:latin typeface="SFMono-Regular"/>
+              </a:rPr>
+              <a:t> health) {</a:t>
+            </a:r>
+          </a:p>
+          <a:p>
+            <a:pPr>
+              <a:lnSpc>
+                <a:spcPct val="80000"/>
+              </a:lnSpc>
+            </a:pPr>
+            <a:r>
+              <a:rPr lang="en-US" sz="2400" dirty="0">
+                <a:solidFill>
+                  <a:srgbClr val="383A42"/>
+                </a:solidFill>
+                <a:latin typeface="SFMono-Regular"/>
+              </a:rPr>
+              <a:t>		this.name = name;</a:t>
+            </a:r>
+          </a:p>
+          <a:p>
+            <a:pPr>
+              <a:lnSpc>
+                <a:spcPct val="80000"/>
+              </a:lnSpc>
+            </a:pPr>
+            <a:r>
+              <a:rPr lang="en-US" sz="2400" dirty="0">
+                <a:solidFill>
+                  <a:srgbClr val="383A42"/>
+                </a:solidFill>
+                <a:latin typeface="SFMono-Regular"/>
+              </a:rPr>
+              <a:t>		</a:t>
+            </a:r>
+            <a:r>
+              <a:rPr lang="en-US" sz="2400" dirty="0" err="1">
+                <a:solidFill>
+                  <a:srgbClr val="383A42"/>
+                </a:solidFill>
+                <a:latin typeface="SFMono-Regular"/>
+              </a:rPr>
+              <a:t>this.health</a:t>
+            </a:r>
+            <a:r>
+              <a:rPr lang="en-US" sz="2400" dirty="0">
+                <a:solidFill>
+                  <a:srgbClr val="383A42"/>
+                </a:solidFill>
+                <a:latin typeface="SFMono-Regular"/>
+              </a:rPr>
+              <a:t> = health; </a:t>
+            </a:r>
+          </a:p>
+          <a:p>
+            <a:pPr>
+              <a:lnSpc>
+                <a:spcPct val="80000"/>
+              </a:lnSpc>
+            </a:pPr>
+            <a:r>
+              <a:rPr lang="en-US" sz="2400" dirty="0">
+                <a:solidFill>
+                  <a:srgbClr val="383A42"/>
+                </a:solidFill>
+                <a:latin typeface="SFMono-Regular"/>
+              </a:rPr>
+              <a:t>	}</a:t>
+            </a:r>
+            <a:endParaRPr lang="ru-RU" sz="2400" dirty="0">
+              <a:solidFill>
+                <a:srgbClr val="383A42"/>
+              </a:solidFill>
+              <a:latin typeface="SFMono-Regular"/>
+            </a:endParaRPr>
+          </a:p>
+          <a:p>
+            <a:pPr>
+              <a:lnSpc>
+                <a:spcPct val="80000"/>
+              </a:lnSpc>
+            </a:pPr>
+            <a:r>
+              <a:rPr lang="ru-RU" sz="2400" dirty="0">
+                <a:solidFill>
+                  <a:srgbClr val="A626A4"/>
+                </a:solidFill>
+                <a:latin typeface="SFMono-Regular"/>
+              </a:rPr>
+              <a:t>}</a:t>
+            </a:r>
+          </a:p>
+        </p:txBody>
+      </p:sp>
+      <p:sp>
+        <p:nvSpPr>
+          <p:cNvPr id="8" name="Прямоугольник 7">
+            <a:extLst>
+              <a:ext uri="{FF2B5EF4-FFF2-40B4-BE49-F238E27FC236}">
+                <a16:creationId xmlns:a16="http://schemas.microsoft.com/office/drawing/2014/main" id="{D4B22B3F-AB83-4E7B-AE07-71C9C1FC0722}"/>
+              </a:ext>
+            </a:extLst>
+          </p:cNvPr>
+          <p:cNvSpPr/>
+          <p:nvPr/>
+        </p:nvSpPr>
+        <p:spPr>
+          <a:xfrm>
+            <a:off x="328592" y="212676"/>
+            <a:ext cx="5415260" cy="4086381"/>
+          </a:xfrm>
+          <a:prstGeom prst="rect">
+            <a:avLst/>
+          </a:prstGeom>
+          <a:noFill/>
+          <a:ln w="38100">
+            <a:solidFill>
+              <a:schemeClr val="tx1">
+                <a:lumMod val="50000"/>
+                <a:lumOff val="50000"/>
+              </a:schemeClr>
+            </a:solidFill>
+          </a:ln>
+        </p:spPr>
+        <p:style>
+          <a:lnRef idx="2">
+            <a:schemeClr val="accent1">
+              <a:shade val="50000"/>
+            </a:schemeClr>
+          </a:lnRef>
+          <a:fillRef idx="1">
+            <a:schemeClr val="accent1"/>
+          </a:fillRef>
+          <a:effectRef idx="0">
+            <a:schemeClr val="accent1"/>
+          </a:effectRef>
+          <a:fontRef idx="minor">
+            <a:schemeClr val="lt1"/>
+          </a:fontRef>
+        </p:style>
+        <p:txBody>
+          <a:bodyPr rtlCol="0" anchor="ctr"/>
+          <a:lstStyle/>
+          <a:p>
+            <a:pPr algn="ctr"/>
+            <a:endParaRPr lang="ru-RU">
+              <a:noFill/>
+            </a:endParaRPr>
+          </a:p>
+        </p:txBody>
+      </p:sp>
+    </p:spTree>
+    <p:extLst>
+      <p:ext uri="{BB962C8B-B14F-4D97-AF65-F5344CB8AC3E}">
+        <p14:creationId xmlns:p14="http://schemas.microsoft.com/office/powerpoint/2010/main" val="48192953"/>
+      </p:ext>
+    </p:extLst>
+  </p:cSld>
+  <p:clrMapOvr>
+    <a:masterClrMapping/>
+  </p:clrMapOvr>
+</p:sld>
+</file>
+
+<file path=ppt/slides/slide11.xml><?xml version="1.0" encoding="utf-8"?>
+<p:sld xmlns:a="http://schemas.openxmlformats.org/drawingml/2006/main" xmlns:r="http://schemas.openxmlformats.org/officeDocument/2006/relationships" xmlns:p="http://schemas.openxmlformats.org/presentationml/2006/main">
+  <p:cSld>
+    <p:bg>
+      <p:bgPr>
+        <a:solidFill>
+          <a:schemeClr val="bg1"/>
+        </a:solidFill>
+        <a:effectLst/>
+      </p:bgPr>
+    </p:bg>
+    <p:spTree>
+      <p:nvGrpSpPr>
+        <p:cNvPr id="1" name=""/>
+        <p:cNvGrpSpPr/>
+        <p:nvPr/>
+      </p:nvGrpSpPr>
+      <p:grpSpPr>
+        <a:xfrm>
+          <a:off x="0" y="0"/>
+          <a:ext cx="0" cy="0"/>
+          <a:chOff x="0" y="0"/>
+          <a:chExt cx="0" cy="0"/>
+        </a:xfrm>
+      </p:grpSpPr>
+      <p:sp useBgFill="1">
+        <p:nvSpPr>
+          <p:cNvPr id="100" name="Rectangle 99">
+            <a:extLst>
+              <a:ext uri="{FF2B5EF4-FFF2-40B4-BE49-F238E27FC236}">
+                <a16:creationId xmlns:a16="http://schemas.microsoft.com/office/drawing/2014/main" id="{66C7A97A-A7DE-4DFB-8542-1E4BF24C7D31}"/>
+              </a:ext>
+              <a:ext uri="{C183D7F6-B498-43B3-948B-1728B52AA6E4}">
+                <adec:decorative xmlns:adec="http://schemas.microsoft.com/office/drawing/2017/decorative" val="1"/>
+              </a:ext>
+            </a:extLst>
+          </p:cNvPr>
+          <p:cNvSpPr>
+            <a:spLocks noGrp="1" noRot="1" noChangeAspect="1" noMove="1" noResize="1" noEditPoints="1" noAdjustHandles="1" noChangeArrowheads="1" noChangeShapeType="1" noTextEdit="1"/>
+          </p:cNvSpPr>
+          <p:nvPr>
+            <p:extLst>
+              <p:ext uri="{386F3935-93C4-4BCD-93E2-E3B085C9AB24}">
+                <p16:designElem xmlns:p16="http://schemas.microsoft.com/office/powerpoint/2015/main" val="1"/>
+              </p:ext>
+            </p:extLst>
+          </p:nvPr>
+        </p:nvSpPr>
+        <p:spPr>
+          <a:xfrm>
+            <a:off x="0" y="0"/>
+            <a:ext cx="12191999" cy="6858000"/>
+          </a:xfrm>
+          <a:prstGeom prst="rect">
+            <a:avLst/>
+          </a:prstGeom>
+          <a:ln>
+            <a:noFill/>
+          </a:ln>
+        </p:spPr>
+        <p:style>
+          <a:lnRef idx="2">
+            <a:schemeClr val="accent1">
+              <a:shade val="50000"/>
+            </a:schemeClr>
+          </a:lnRef>
+          <a:fillRef idx="1">
+            <a:schemeClr val="accent1"/>
+          </a:fillRef>
+          <a:effectRef idx="0">
+            <a:schemeClr val="accent1"/>
+          </a:effectRef>
+          <a:fontRef idx="minor">
+            <a:schemeClr val="lt1"/>
+          </a:fontRef>
+        </p:style>
+        <p:txBody>
+          <a:bodyPr rtlCol="0" anchor="ctr"/>
+          <a:lstStyle/>
+          <a:p>
+            <a:pPr algn="ctr"/>
+            <a:endParaRPr lang="en-US"/>
+          </a:p>
+        </p:txBody>
+      </p:sp>
+      <p:sp>
+        <p:nvSpPr>
+          <p:cNvPr id="102" name="Rectangle 101">
+            <a:extLst>
+              <a:ext uri="{FF2B5EF4-FFF2-40B4-BE49-F238E27FC236}">
+                <a16:creationId xmlns:a16="http://schemas.microsoft.com/office/drawing/2014/main" id="{BE111DB0-3D73-4D20-9D57-CEF5A0D865B9}"/>
+              </a:ext>
+              <a:ext uri="{C183D7F6-B498-43B3-948B-1728B52AA6E4}">
+                <adec:decorative xmlns:adec="http://schemas.microsoft.com/office/drawing/2017/decorative" val="1"/>
+              </a:ext>
+            </a:extLst>
+          </p:cNvPr>
+          <p:cNvSpPr>
+            <a:spLocks noGrp="1" noRot="1" noChangeAspect="1" noMove="1" noResize="1" noEditPoints="1" noAdjustHandles="1" noChangeArrowheads="1" noChangeShapeType="1" noTextEdit="1"/>
+          </p:cNvSpPr>
+          <p:nvPr>
+            <p:extLst>
+              <p:ext uri="{386F3935-93C4-4BCD-93E2-E3B085C9AB24}">
+                <p16:designElem xmlns:p16="http://schemas.microsoft.com/office/powerpoint/2015/main" val="1"/>
+              </p:ext>
+            </p:extLst>
+          </p:nvPr>
+        </p:nvSpPr>
+        <p:spPr>
+          <a:xfrm>
+            <a:off x="1" y="761999"/>
+            <a:ext cx="4642228" cy="5334001"/>
+          </a:xfrm>
+          <a:prstGeom prst="rect">
+            <a:avLst/>
+          </a:prstGeom>
+          <a:solidFill>
+            <a:schemeClr val="accent1"/>
+          </a:solidFill>
+          <a:ln>
+            <a:noFill/>
+          </a:ln>
+        </p:spPr>
+        <p:style>
+          <a:lnRef idx="2">
+            <a:schemeClr val="accent1">
+              <a:shade val="50000"/>
+            </a:schemeClr>
+          </a:lnRef>
+          <a:fillRef idx="1">
+            <a:schemeClr val="accent1"/>
+          </a:fillRef>
+          <a:effectRef idx="0">
+            <a:schemeClr val="accent1"/>
+          </a:effectRef>
+          <a:fontRef idx="minor">
+            <a:schemeClr val="lt1"/>
+          </a:fontRef>
+        </p:style>
+      </p:sp>
+      <p:sp>
+        <p:nvSpPr>
+          <p:cNvPr id="2" name="Заголовок 1">
+            <a:extLst>
+              <a:ext uri="{FF2B5EF4-FFF2-40B4-BE49-F238E27FC236}">
+                <a16:creationId xmlns:a16="http://schemas.microsoft.com/office/drawing/2014/main" id="{5C728E64-DAC7-4FAB-B73F-E6C7BFA53C9C}"/>
+              </a:ext>
+            </a:extLst>
+          </p:cNvPr>
+          <p:cNvSpPr>
+            <a:spLocks noGrp="1"/>
+          </p:cNvSpPr>
+          <p:nvPr>
+            <p:ph type="ctrTitle"/>
+          </p:nvPr>
+        </p:nvSpPr>
+        <p:spPr>
+          <a:xfrm>
+            <a:off x="286668" y="3058048"/>
+            <a:ext cx="4068893" cy="1025708"/>
+          </a:xfrm>
+        </p:spPr>
+        <p:txBody>
+          <a:bodyPr>
+            <a:normAutofit fontScale="90000"/>
+          </a:bodyPr>
+          <a:lstStyle/>
+          <a:p>
+            <a:r>
+              <a:rPr lang="ru-RU" sz="4800" b="1" dirty="0"/>
+              <a:t>Ключевое слово </a:t>
+            </a:r>
+            <a:r>
+              <a:rPr lang="en-US" sz="4800" b="1" dirty="0"/>
+              <a:t>this</a:t>
+            </a:r>
+            <a:endParaRPr lang="ru-RU" sz="4800" dirty="0"/>
+          </a:p>
+        </p:txBody>
+      </p:sp>
+      <p:sp>
+        <p:nvSpPr>
+          <p:cNvPr id="104" name="Rectangle 103">
+            <a:extLst>
+              <a:ext uri="{FF2B5EF4-FFF2-40B4-BE49-F238E27FC236}">
+                <a16:creationId xmlns:a16="http://schemas.microsoft.com/office/drawing/2014/main" id="{027ADCA0-A066-4B16-8E1F-3C2483947B72}"/>
+              </a:ext>
+              <a:ext uri="{C183D7F6-B498-43B3-948B-1728B52AA6E4}">
+                <adec:decorative xmlns:adec="http://schemas.microsoft.com/office/drawing/2017/decorative" val="1"/>
+              </a:ext>
+            </a:extLst>
+          </p:cNvPr>
+          <p:cNvSpPr>
+            <a:spLocks noGrp="1" noRot="1" noChangeAspect="1" noMove="1" noResize="1" noEditPoints="1" noAdjustHandles="1" noChangeArrowheads="1" noChangeShapeType="1" noTextEdit="1"/>
+          </p:cNvSpPr>
+          <p:nvPr>
+            <p:extLst>
+              <p:ext uri="{386F3935-93C4-4BCD-93E2-E3B085C9AB24}">
+                <p16:designElem xmlns:p16="http://schemas.microsoft.com/office/powerpoint/2015/main" val="1"/>
+              </p:ext>
+            </p:extLst>
+          </p:nvPr>
+        </p:nvSpPr>
+        <p:spPr>
+          <a:xfrm>
+            <a:off x="11815864" y="758952"/>
+            <a:ext cx="384048" cy="5330952"/>
+          </a:xfrm>
+          <a:prstGeom prst="rect">
+            <a:avLst/>
+          </a:prstGeom>
+          <a:solidFill>
+            <a:srgbClr val="C8C8C8">
+              <a:alpha val="49804"/>
+            </a:srgbClr>
+          </a:solidFill>
+          <a:ln>
+            <a:noFill/>
+          </a:ln>
+        </p:spPr>
+        <p:style>
+          <a:lnRef idx="2">
+            <a:schemeClr val="accent1">
+              <a:shade val="50000"/>
+            </a:schemeClr>
+          </a:lnRef>
+          <a:fillRef idx="1">
+            <a:schemeClr val="accent1"/>
+          </a:fillRef>
+          <a:effectRef idx="0">
+            <a:schemeClr val="accent1"/>
+          </a:effectRef>
+          <a:fontRef idx="minor">
+            <a:schemeClr val="lt1"/>
+          </a:fontRef>
+        </p:style>
+      </p:sp>
+      <p:sp>
+        <p:nvSpPr>
+          <p:cNvPr id="5" name="AutoShape 8" descr="Модель">
+            <a:extLst>
+              <a:ext uri="{FF2B5EF4-FFF2-40B4-BE49-F238E27FC236}">
+                <a16:creationId xmlns:a16="http://schemas.microsoft.com/office/drawing/2014/main" id="{DA8925D5-BF22-4C90-B8ED-2662F7D00294}"/>
+              </a:ext>
+            </a:extLst>
+          </p:cNvPr>
+          <p:cNvSpPr>
+            <a:spLocks noChangeAspect="1" noChangeArrowheads="1"/>
+          </p:cNvSpPr>
+          <p:nvPr/>
+        </p:nvSpPr>
+        <p:spPr bwMode="auto">
+          <a:xfrm>
+            <a:off x="4943475" y="1371600"/>
+            <a:ext cx="2305050" cy="4114800"/>
+          </a:xfrm>
+          <a:prstGeom prst="rect">
+            <a:avLst/>
+          </a:prstGeom>
+          <a:noFill/>
+          <a:extLst>
+            <a:ext uri="{909E8E84-426E-40DD-AFC4-6F175D3DCCD1}">
+              <a14:hiddenFill xmlns:a14="http://schemas.microsoft.com/office/drawing/2010/main">
+                <a:solidFill>
+                  <a:srgbClr val="FFFFFF"/>
+                </a:solidFill>
+              </a14:hiddenFill>
+            </a:ext>
+          </a:extLst>
+        </p:spPr>
+        <p:txBody>
+          <a:bodyPr vert="horz" wrap="square" lIns="91440" tIns="45720" rIns="91440" bIns="45720" numCol="1" anchor="t" anchorCtr="0" compatLnSpc="1">
+            <a:prstTxWarp prst="textNoShape">
+              <a:avLst/>
+            </a:prstTxWarp>
+          </a:bodyPr>
+          <a:lstStyle/>
+          <a:p>
+            <a:endParaRPr lang="ru-RU"/>
+          </a:p>
+        </p:txBody>
+      </p:sp>
+      <p:grpSp>
+        <p:nvGrpSpPr>
+          <p:cNvPr id="7" name="Группа 6">
+            <a:extLst>
+              <a:ext uri="{FF2B5EF4-FFF2-40B4-BE49-F238E27FC236}">
+                <a16:creationId xmlns:a16="http://schemas.microsoft.com/office/drawing/2014/main" id="{06BEAF90-4F48-45AE-B93D-759B0DFB688A}"/>
+              </a:ext>
+            </a:extLst>
+          </p:cNvPr>
+          <p:cNvGrpSpPr/>
+          <p:nvPr/>
+        </p:nvGrpSpPr>
+        <p:grpSpPr>
+          <a:xfrm>
+            <a:off x="5663974" y="758953"/>
+            <a:ext cx="5362092" cy="4727448"/>
+            <a:chOff x="7560942" y="-2619272"/>
+            <a:chExt cx="4730796" cy="5418657"/>
+          </a:xfrm>
+        </p:grpSpPr>
+        <p:sp>
+          <p:nvSpPr>
+            <p:cNvPr id="4" name="Прямоугольник 3">
+              <a:extLst>
+                <a:ext uri="{FF2B5EF4-FFF2-40B4-BE49-F238E27FC236}">
+                  <a16:creationId xmlns:a16="http://schemas.microsoft.com/office/drawing/2014/main" id="{953C33F2-0BF5-4D22-A9BE-B3755FE02C30}"/>
+                </a:ext>
+              </a:extLst>
+            </p:cNvPr>
+            <p:cNvSpPr/>
+            <p:nvPr/>
+          </p:nvSpPr>
+          <p:spPr>
+            <a:xfrm>
+              <a:off x="7647445" y="-2585412"/>
+              <a:ext cx="4305463" cy="4530471"/>
+            </a:xfrm>
+            <a:prstGeom prst="rect">
+              <a:avLst/>
+            </a:prstGeom>
+          </p:spPr>
+          <p:txBody>
+            <a:bodyPr wrap="square">
+              <a:spAutoFit/>
+            </a:bodyPr>
+            <a:lstStyle/>
+            <a:p>
+              <a:pPr>
+                <a:lnSpc>
+                  <a:spcPct val="80000"/>
+                </a:lnSpc>
+              </a:pPr>
+              <a:r>
+                <a:rPr lang="en-US" sz="2000" dirty="0">
+                  <a:solidFill>
+                    <a:srgbClr val="A626A4"/>
+                  </a:solidFill>
+                  <a:latin typeface="SFMono-Regular"/>
+                </a:rPr>
+                <a:t>public class</a:t>
+              </a:r>
+              <a:r>
+                <a:rPr lang="en-US" sz="2000" dirty="0">
+                  <a:solidFill>
+                    <a:srgbClr val="383A42"/>
+                  </a:solidFill>
+                  <a:latin typeface="SFMono-Regular"/>
+                </a:rPr>
+                <a:t> Unit</a:t>
+              </a:r>
+              <a:r>
+                <a:rPr lang="ru-RU" sz="2000" dirty="0">
+                  <a:solidFill>
+                    <a:srgbClr val="A626A4"/>
+                  </a:solidFill>
+                  <a:latin typeface="SFMono-Regular"/>
+                </a:rPr>
+                <a:t> {</a:t>
+              </a:r>
+              <a:endParaRPr lang="en-US" sz="2000" dirty="0">
+                <a:solidFill>
+                  <a:srgbClr val="A626A4"/>
+                </a:solidFill>
+                <a:latin typeface="SFMono-Regular"/>
+              </a:endParaRPr>
+            </a:p>
+            <a:p>
+              <a:pPr>
+                <a:lnSpc>
+                  <a:spcPct val="80000"/>
+                </a:lnSpc>
+              </a:pPr>
+              <a:r>
+                <a:rPr lang="en-US" sz="2000" dirty="0">
+                  <a:solidFill>
+                    <a:srgbClr val="A626A4"/>
+                  </a:solidFill>
+                  <a:latin typeface="SFMono-Regular"/>
+                </a:rPr>
+                <a:t>	</a:t>
+              </a:r>
+              <a:r>
+                <a:rPr lang="en-US" sz="2000" dirty="0">
+                  <a:solidFill>
+                    <a:srgbClr val="986801"/>
+                  </a:solidFill>
+                  <a:latin typeface="SFMono-Regular"/>
+                </a:rPr>
+                <a:t>String</a:t>
+              </a:r>
+              <a:r>
+                <a:rPr lang="en-US" sz="2000" dirty="0">
+                  <a:solidFill>
+                    <a:srgbClr val="A626A4"/>
+                  </a:solidFill>
+                  <a:latin typeface="SFMono-Regular"/>
+                </a:rPr>
+                <a:t> </a:t>
+              </a:r>
+              <a:r>
+                <a:rPr lang="en-US" sz="2000" dirty="0">
+                  <a:solidFill>
+                    <a:srgbClr val="383A42"/>
+                  </a:solidFill>
+                  <a:latin typeface="SFMono-Regular"/>
+                </a:rPr>
+                <a:t>name;</a:t>
+              </a:r>
+              <a:r>
+                <a:rPr lang="ru-RU" sz="2000" dirty="0">
+                  <a:solidFill>
+                    <a:srgbClr val="383A42"/>
+                  </a:solidFill>
+                  <a:latin typeface="SFMono-Regular"/>
+                </a:rPr>
+                <a:t> </a:t>
+              </a:r>
+            </a:p>
+            <a:p>
+              <a:pPr>
+                <a:lnSpc>
+                  <a:spcPct val="80000"/>
+                </a:lnSpc>
+              </a:pPr>
+              <a:r>
+                <a:rPr lang="ru-RU" sz="2000" dirty="0">
+                  <a:solidFill>
+                    <a:srgbClr val="383A42"/>
+                  </a:solidFill>
+                  <a:latin typeface="SFMono-Regular"/>
+                </a:rPr>
+                <a:t>	</a:t>
+              </a:r>
+              <a:r>
+                <a:rPr lang="en-US" sz="2000" dirty="0">
+                  <a:solidFill>
+                    <a:srgbClr val="986801"/>
+                  </a:solidFill>
+                  <a:latin typeface="SFMono-Regular"/>
+                </a:rPr>
+                <a:t>int </a:t>
+              </a:r>
+              <a:r>
+                <a:rPr lang="en-US" sz="2000" dirty="0">
+                  <a:solidFill>
+                    <a:srgbClr val="383A42"/>
+                  </a:solidFill>
+                  <a:latin typeface="SFMono-Regular"/>
+                </a:rPr>
+                <a:t>health</a:t>
+              </a:r>
+              <a:r>
+                <a:rPr lang="ru-RU" sz="2000" dirty="0">
+                  <a:solidFill>
+                    <a:srgbClr val="383A42"/>
+                  </a:solidFill>
+                  <a:latin typeface="SFMono-Regular"/>
+                </a:rPr>
+                <a:t>; </a:t>
+              </a:r>
+            </a:p>
+            <a:p>
+              <a:pPr>
+                <a:lnSpc>
+                  <a:spcPct val="80000"/>
+                </a:lnSpc>
+              </a:pPr>
+              <a:endParaRPr lang="ru-RU" sz="2000" i="1" dirty="0">
+                <a:solidFill>
+                  <a:srgbClr val="A0A1A7"/>
+                </a:solidFill>
+                <a:latin typeface="SFMono-Regular"/>
+              </a:endParaRPr>
+            </a:p>
+            <a:p>
+              <a:pPr>
+                <a:lnSpc>
+                  <a:spcPct val="80000"/>
+                </a:lnSpc>
+              </a:pPr>
+              <a:r>
+                <a:rPr lang="en-US" sz="2000" dirty="0">
+                  <a:solidFill>
+                    <a:srgbClr val="383A42"/>
+                  </a:solidFill>
+                  <a:latin typeface="SFMono-Regular"/>
+                </a:rPr>
+                <a:t>	</a:t>
+              </a:r>
+              <a:r>
+                <a:rPr lang="en-US" sz="2000" dirty="0">
+                  <a:solidFill>
+                    <a:srgbClr val="986801"/>
+                  </a:solidFill>
+                  <a:latin typeface="SFMono-Regular"/>
+                </a:rPr>
+                <a:t>public</a:t>
+              </a:r>
+              <a:r>
+                <a:rPr lang="en-US" sz="2000" b="0" i="0" dirty="0">
+                  <a:solidFill>
+                    <a:srgbClr val="383A42"/>
+                  </a:solidFill>
+                  <a:effectLst/>
+                  <a:latin typeface="SFMono-Regular"/>
+                </a:rPr>
+                <a:t> </a:t>
+              </a:r>
+              <a:r>
+                <a:rPr lang="en-US" sz="2000" dirty="0">
+                  <a:solidFill>
+                    <a:srgbClr val="C00000"/>
+                  </a:solidFill>
+                  <a:latin typeface="SFMono-Regular"/>
+                </a:rPr>
+                <a:t>Unit</a:t>
+              </a:r>
+              <a:r>
+                <a:rPr lang="en-US" sz="2000" b="0" i="0" dirty="0">
+                  <a:solidFill>
+                    <a:srgbClr val="383A42"/>
+                  </a:solidFill>
+                  <a:effectLst/>
+                  <a:latin typeface="SFMono-Regular"/>
+                </a:rPr>
+                <a:t>() {</a:t>
+              </a:r>
+            </a:p>
+            <a:p>
+              <a:pPr>
+                <a:lnSpc>
+                  <a:spcPct val="80000"/>
+                </a:lnSpc>
+              </a:pPr>
+              <a:r>
+                <a:rPr lang="en-US" sz="2000" dirty="0">
+                  <a:solidFill>
+                    <a:srgbClr val="383A42"/>
+                  </a:solidFill>
+                  <a:latin typeface="SFMono-Regular"/>
+                </a:rPr>
+                <a:t>		</a:t>
+              </a:r>
+              <a:r>
+                <a:rPr lang="en-US" sz="2000" b="0" i="0" dirty="0">
+                  <a:solidFill>
+                    <a:srgbClr val="383A42"/>
+                  </a:solidFill>
+                  <a:effectLst/>
+                  <a:latin typeface="SFMono-Regular"/>
+                </a:rPr>
+                <a:t>health = </a:t>
+              </a:r>
+              <a:r>
+                <a:rPr lang="ru-RU" sz="2000" b="0" i="0" dirty="0">
+                  <a:solidFill>
+                    <a:srgbClr val="383A42"/>
+                  </a:solidFill>
+                  <a:effectLst/>
+                  <a:latin typeface="SFMono-Regular"/>
+                </a:rPr>
+                <a:t>100</a:t>
+              </a:r>
+              <a:r>
+                <a:rPr lang="en-US" sz="2000" b="0" i="0" dirty="0">
+                  <a:solidFill>
+                    <a:srgbClr val="383A42"/>
+                  </a:solidFill>
+                  <a:effectLst/>
+                  <a:latin typeface="SFMono-Regular"/>
+                </a:rPr>
+                <a:t>; </a:t>
+              </a:r>
+            </a:p>
+            <a:p>
+              <a:pPr>
+                <a:lnSpc>
+                  <a:spcPct val="80000"/>
+                </a:lnSpc>
+              </a:pPr>
+              <a:r>
+                <a:rPr lang="en-US" sz="2000" dirty="0">
+                  <a:solidFill>
+                    <a:srgbClr val="383A42"/>
+                  </a:solidFill>
+                  <a:latin typeface="SFMono-Regular"/>
+                </a:rPr>
+                <a:t>	</a:t>
+              </a:r>
+              <a:r>
+                <a:rPr lang="en-US" sz="2000" b="0" i="0" dirty="0">
+                  <a:solidFill>
+                    <a:srgbClr val="383A42"/>
+                  </a:solidFill>
+                  <a:effectLst/>
+                  <a:latin typeface="SFMono-Regular"/>
+                </a:rPr>
+                <a:t>}</a:t>
+              </a:r>
+              <a:endParaRPr lang="ru-RU" sz="2000" b="0" i="0" dirty="0">
+                <a:solidFill>
+                  <a:srgbClr val="383A42"/>
+                </a:solidFill>
+                <a:effectLst/>
+                <a:latin typeface="SFMono-Regular"/>
+              </a:endParaRPr>
+            </a:p>
+            <a:p>
+              <a:pPr>
+                <a:lnSpc>
+                  <a:spcPct val="80000"/>
+                </a:lnSpc>
+              </a:pPr>
+              <a:endParaRPr lang="ru-RU" sz="2000" b="0" i="0" dirty="0">
+                <a:solidFill>
+                  <a:srgbClr val="383A42"/>
+                </a:solidFill>
+                <a:effectLst/>
+                <a:latin typeface="SFMono-Regular"/>
+              </a:endParaRPr>
+            </a:p>
+            <a:p>
+              <a:pPr>
+                <a:lnSpc>
+                  <a:spcPct val="80000"/>
+                </a:lnSpc>
+              </a:pPr>
+              <a:r>
+                <a:rPr lang="en-US" sz="2000" dirty="0">
+                  <a:solidFill>
+                    <a:srgbClr val="383A42"/>
+                  </a:solidFill>
+                  <a:latin typeface="SFMono-Regular"/>
+                </a:rPr>
+                <a:t>	</a:t>
+              </a:r>
+              <a:r>
+                <a:rPr lang="en-US" sz="2000" dirty="0">
+                  <a:solidFill>
+                    <a:srgbClr val="986801"/>
+                  </a:solidFill>
+                  <a:latin typeface="SFMono-Regular"/>
+                </a:rPr>
+                <a:t>public</a:t>
+              </a:r>
+              <a:r>
+                <a:rPr lang="en-US" sz="2000" dirty="0">
+                  <a:solidFill>
+                    <a:srgbClr val="383A42"/>
+                  </a:solidFill>
+                  <a:latin typeface="SFMono-Regular"/>
+                </a:rPr>
+                <a:t> </a:t>
+              </a:r>
+              <a:r>
+                <a:rPr lang="en-US" sz="2000" dirty="0">
+                  <a:solidFill>
+                    <a:srgbClr val="C00000"/>
+                  </a:solidFill>
+                  <a:latin typeface="SFMono-Regular"/>
+                </a:rPr>
+                <a:t>Unit</a:t>
+              </a:r>
+              <a:r>
+                <a:rPr lang="en-US" sz="2000" dirty="0">
+                  <a:solidFill>
+                    <a:srgbClr val="383A42"/>
+                  </a:solidFill>
+                  <a:latin typeface="SFMono-Regular"/>
+                </a:rPr>
+                <a:t>(</a:t>
+              </a:r>
+              <a:r>
+                <a:rPr lang="en-US" sz="2000" dirty="0">
+                  <a:solidFill>
+                    <a:srgbClr val="986801"/>
+                  </a:solidFill>
+                  <a:latin typeface="SFMono-Regular"/>
+                </a:rPr>
+                <a:t>String</a:t>
+              </a:r>
+              <a:r>
+                <a:rPr lang="en-US" sz="2000" dirty="0">
+                  <a:solidFill>
+                    <a:srgbClr val="383A42"/>
+                  </a:solidFill>
+                  <a:latin typeface="SFMono-Regular"/>
+                </a:rPr>
+                <a:t> name) {</a:t>
+              </a:r>
+              <a:endParaRPr lang="ru-RU" sz="2000" dirty="0">
+                <a:solidFill>
+                  <a:srgbClr val="383A42"/>
+                </a:solidFill>
+                <a:latin typeface="SFMono-Regular"/>
+              </a:endParaRPr>
+            </a:p>
+            <a:p>
+              <a:pPr>
+                <a:lnSpc>
+                  <a:spcPct val="80000"/>
+                </a:lnSpc>
+              </a:pPr>
+              <a:r>
+                <a:rPr lang="ru-RU" sz="2000" dirty="0">
+                  <a:solidFill>
+                    <a:srgbClr val="383A42"/>
+                  </a:solidFill>
+                  <a:latin typeface="SFMono-Regular"/>
+                </a:rPr>
+                <a:t>		</a:t>
+              </a:r>
+              <a:r>
+                <a:rPr lang="en-US" sz="2000" dirty="0">
+                  <a:solidFill>
+                    <a:srgbClr val="383A42"/>
+                  </a:solidFill>
+                  <a:latin typeface="SFMono-Regular"/>
+                </a:rPr>
+                <a:t>this();</a:t>
+              </a:r>
+            </a:p>
+            <a:p>
+              <a:pPr>
+                <a:lnSpc>
+                  <a:spcPct val="80000"/>
+                </a:lnSpc>
+              </a:pPr>
+              <a:r>
+                <a:rPr lang="en-US" sz="2000" dirty="0">
+                  <a:solidFill>
+                    <a:srgbClr val="383A42"/>
+                  </a:solidFill>
+                  <a:latin typeface="SFMono-Regular"/>
+                </a:rPr>
+                <a:t>		this.name = name;</a:t>
+              </a:r>
+            </a:p>
+            <a:p>
+              <a:pPr>
+                <a:lnSpc>
+                  <a:spcPct val="80000"/>
+                </a:lnSpc>
+              </a:pPr>
+              <a:r>
+                <a:rPr lang="en-US" sz="2000" dirty="0">
+                  <a:solidFill>
+                    <a:srgbClr val="383A42"/>
+                  </a:solidFill>
+                  <a:latin typeface="SFMono-Regular"/>
+                </a:rPr>
+                <a:t>	}</a:t>
+              </a:r>
+              <a:endParaRPr lang="ru-RU" sz="2000" dirty="0">
+                <a:solidFill>
+                  <a:srgbClr val="383A42"/>
+                </a:solidFill>
+                <a:latin typeface="SFMono-Regular"/>
+              </a:endParaRPr>
+            </a:p>
+            <a:p>
+              <a:pPr>
+                <a:lnSpc>
+                  <a:spcPct val="80000"/>
+                </a:lnSpc>
+              </a:pPr>
+              <a:endParaRPr lang="ru-RU" sz="2000" b="0" i="0" dirty="0">
+                <a:solidFill>
+                  <a:srgbClr val="383A42"/>
+                </a:solidFill>
+                <a:effectLst/>
+                <a:latin typeface="SFMono-Regular"/>
+              </a:endParaRPr>
+            </a:p>
+            <a:p>
+              <a:pPr>
+                <a:lnSpc>
+                  <a:spcPct val="80000"/>
+                </a:lnSpc>
+              </a:pPr>
+              <a:r>
+                <a:rPr lang="en-US" sz="2000" dirty="0">
+                  <a:solidFill>
+                    <a:srgbClr val="383A42"/>
+                  </a:solidFill>
+                  <a:latin typeface="SFMono-Regular"/>
+                </a:rPr>
+                <a:t>	</a:t>
+              </a:r>
+              <a:r>
+                <a:rPr lang="en-US" sz="2000" dirty="0">
+                  <a:solidFill>
+                    <a:srgbClr val="986801"/>
+                  </a:solidFill>
+                  <a:latin typeface="SFMono-Regular"/>
+                </a:rPr>
+                <a:t>public</a:t>
+              </a:r>
+              <a:r>
+                <a:rPr lang="en-US" sz="2000" dirty="0">
+                  <a:solidFill>
+                    <a:srgbClr val="383A42"/>
+                  </a:solidFill>
+                  <a:latin typeface="SFMono-Regular"/>
+                </a:rPr>
+                <a:t> </a:t>
+              </a:r>
+              <a:r>
+                <a:rPr lang="en-US" sz="2000" dirty="0">
+                  <a:solidFill>
+                    <a:srgbClr val="C00000"/>
+                  </a:solidFill>
+                  <a:latin typeface="SFMono-Regular"/>
+                </a:rPr>
+                <a:t>Unit</a:t>
+              </a:r>
+              <a:r>
+                <a:rPr lang="en-US" sz="2000" dirty="0">
+                  <a:solidFill>
+                    <a:srgbClr val="383A42"/>
+                  </a:solidFill>
+                  <a:latin typeface="SFMono-Regular"/>
+                </a:rPr>
+                <a:t>(</a:t>
+              </a:r>
+              <a:r>
+                <a:rPr lang="en-US" sz="2000" dirty="0">
+                  <a:solidFill>
+                    <a:srgbClr val="986801"/>
+                  </a:solidFill>
+                  <a:latin typeface="SFMono-Regular"/>
+                </a:rPr>
+                <a:t>String</a:t>
+              </a:r>
+              <a:r>
+                <a:rPr lang="en-US" sz="2000" dirty="0">
+                  <a:solidFill>
+                    <a:srgbClr val="383A42"/>
+                  </a:solidFill>
+                  <a:latin typeface="SFMono-Regular"/>
+                </a:rPr>
+                <a:t> name, </a:t>
+              </a:r>
+              <a:r>
+                <a:rPr lang="en-US" sz="2000" dirty="0">
+                  <a:solidFill>
+                    <a:srgbClr val="986801"/>
+                  </a:solidFill>
+                  <a:latin typeface="SFMono-Regular"/>
+                </a:rPr>
+                <a:t>int</a:t>
+              </a:r>
+              <a:r>
+                <a:rPr lang="en-US" sz="2000" dirty="0">
+                  <a:solidFill>
+                    <a:srgbClr val="383A42"/>
+                  </a:solidFill>
+                  <a:latin typeface="SFMono-Regular"/>
+                </a:rPr>
+                <a:t> health) {</a:t>
+              </a:r>
+            </a:p>
+            <a:p>
+              <a:pPr>
+                <a:lnSpc>
+                  <a:spcPct val="80000"/>
+                </a:lnSpc>
+              </a:pPr>
+              <a:r>
+                <a:rPr lang="en-US" sz="2000" dirty="0">
+                  <a:solidFill>
+                    <a:srgbClr val="383A42"/>
+                  </a:solidFill>
+                  <a:latin typeface="SFMono-Regular"/>
+                </a:rPr>
+                <a:t>		this(name);</a:t>
+              </a:r>
+            </a:p>
+            <a:p>
+              <a:pPr>
+                <a:lnSpc>
+                  <a:spcPct val="80000"/>
+                </a:lnSpc>
+              </a:pPr>
+              <a:r>
+                <a:rPr lang="en-US" sz="2000" dirty="0">
+                  <a:solidFill>
+                    <a:srgbClr val="383A42"/>
+                  </a:solidFill>
+                  <a:latin typeface="SFMono-Regular"/>
+                </a:rPr>
+                <a:t>		</a:t>
+              </a:r>
+              <a:r>
+                <a:rPr lang="en-US" sz="2000" dirty="0" err="1">
+                  <a:solidFill>
+                    <a:srgbClr val="383A42"/>
+                  </a:solidFill>
+                  <a:latin typeface="SFMono-Regular"/>
+                </a:rPr>
+                <a:t>this.health</a:t>
+              </a:r>
+              <a:r>
+                <a:rPr lang="en-US" sz="2000" dirty="0">
+                  <a:solidFill>
+                    <a:srgbClr val="383A42"/>
+                  </a:solidFill>
+                  <a:latin typeface="SFMono-Regular"/>
+                </a:rPr>
+                <a:t> = health; </a:t>
+              </a:r>
+            </a:p>
+            <a:p>
+              <a:pPr>
+                <a:lnSpc>
+                  <a:spcPct val="80000"/>
+                </a:lnSpc>
+              </a:pPr>
+              <a:r>
+                <a:rPr lang="en-US" sz="2000" dirty="0">
+                  <a:solidFill>
+                    <a:srgbClr val="383A42"/>
+                  </a:solidFill>
+                  <a:latin typeface="SFMono-Regular"/>
+                </a:rPr>
+                <a:t>	}</a:t>
+              </a:r>
+              <a:endParaRPr lang="ru-RU" sz="2000" dirty="0">
+                <a:solidFill>
+                  <a:srgbClr val="383A42"/>
+                </a:solidFill>
+                <a:latin typeface="SFMono-Regular"/>
+              </a:endParaRPr>
+            </a:p>
+            <a:p>
+              <a:pPr>
+                <a:lnSpc>
+                  <a:spcPct val="80000"/>
+                </a:lnSpc>
+              </a:pPr>
+              <a:r>
+                <a:rPr lang="ru-RU" sz="2000" dirty="0">
+                  <a:solidFill>
+                    <a:srgbClr val="A626A4"/>
+                  </a:solidFill>
+                  <a:latin typeface="SFMono-Regular"/>
+                </a:rPr>
+                <a:t>}</a:t>
+              </a:r>
+            </a:p>
+          </p:txBody>
+        </p:sp>
+        <p:sp>
+          <p:nvSpPr>
+            <p:cNvPr id="6" name="Прямоугольник 5">
+              <a:extLst>
+                <a:ext uri="{FF2B5EF4-FFF2-40B4-BE49-F238E27FC236}">
+                  <a16:creationId xmlns:a16="http://schemas.microsoft.com/office/drawing/2014/main" id="{7DF0428F-CE1A-45DC-8367-BCA5E2B5DEFD}"/>
+                </a:ext>
+              </a:extLst>
+            </p:cNvPr>
+            <p:cNvSpPr/>
+            <p:nvPr/>
+          </p:nvSpPr>
+          <p:spPr>
+            <a:xfrm>
+              <a:off x="7560942" y="-2619272"/>
+              <a:ext cx="4730796" cy="5418657"/>
+            </a:xfrm>
+            <a:prstGeom prst="rect">
+              <a:avLst/>
+            </a:prstGeom>
+            <a:noFill/>
+            <a:ln w="38100">
+              <a:solidFill>
+                <a:schemeClr val="tx1">
+                  <a:lumMod val="50000"/>
+                  <a:lumOff val="50000"/>
+                </a:schemeClr>
+              </a:solidFill>
+            </a:ln>
+          </p:spPr>
+          <p:style>
+            <a:lnRef idx="2">
+              <a:schemeClr val="accent1">
+                <a:shade val="50000"/>
+              </a:schemeClr>
+            </a:lnRef>
+            <a:fillRef idx="1">
+              <a:schemeClr val="accent1"/>
+            </a:fillRef>
+            <a:effectRef idx="0">
+              <a:schemeClr val="accent1"/>
+            </a:effectRef>
+            <a:fontRef idx="minor">
+              <a:schemeClr val="lt1"/>
+            </a:fontRef>
+          </p:style>
+          <p:txBody>
+            <a:bodyPr rtlCol="0" anchor="ctr"/>
+            <a:lstStyle/>
+            <a:p>
+              <a:pPr algn="ctr"/>
+              <a:endParaRPr lang="ru-RU">
+                <a:noFill/>
+              </a:endParaRPr>
+            </a:p>
+          </p:txBody>
+        </p:sp>
+      </p:grpSp>
+    </p:spTree>
+    <p:extLst>
+      <p:ext uri="{BB962C8B-B14F-4D97-AF65-F5344CB8AC3E}">
+        <p14:creationId xmlns:p14="http://schemas.microsoft.com/office/powerpoint/2010/main" val="3542167975"/>
+      </p:ext>
+    </p:extLst>
+  </p:cSld>
+  <p:clrMapOvr>
+    <a:masterClrMapping/>
+  </p:clrMapOvr>
+</p:sld>
+</file>
+
+<file path=ppt/slides/slide12.xml><?xml version="1.0" encoding="utf-8"?>
+<p:sld xmlns:a="http://schemas.openxmlformats.org/drawingml/2006/main" xmlns:r="http://schemas.openxmlformats.org/officeDocument/2006/relationships" xmlns:p="http://schemas.openxmlformats.org/presentationml/2006/main">
+  <p:cSld>
+    <p:bg>
+      <p:bgPr>
+        <a:solidFill>
+          <a:schemeClr val="bg1"/>
+        </a:solidFill>
+        <a:effectLst/>
+      </p:bgPr>
+    </p:bg>
+    <p:spTree>
+      <p:nvGrpSpPr>
+        <p:cNvPr id="1" name=""/>
+        <p:cNvGrpSpPr/>
+        <p:nvPr/>
+      </p:nvGrpSpPr>
+      <p:grpSpPr>
+        <a:xfrm>
+          <a:off x="0" y="0"/>
+          <a:ext cx="0" cy="0"/>
+          <a:chOff x="0" y="0"/>
+          <a:chExt cx="0" cy="0"/>
+        </a:xfrm>
+      </p:grpSpPr>
+      <p:sp useBgFill="1">
+        <p:nvSpPr>
+          <p:cNvPr id="135" name="Rectangle 134">
+            <a:extLst>
+              <a:ext uri="{FF2B5EF4-FFF2-40B4-BE49-F238E27FC236}">
+                <a16:creationId xmlns:a16="http://schemas.microsoft.com/office/drawing/2014/main" id="{9203ABB4-7E2A-4248-9FE7-4A419AFF2F17}"/>
+              </a:ext>
+              <a:ext uri="{C183D7F6-B498-43B3-948B-1728B52AA6E4}">
+                <adec:decorative xmlns:adec="http://schemas.microsoft.com/office/drawing/2017/decorative" val="1"/>
+              </a:ext>
+            </a:extLst>
+          </p:cNvPr>
+          <p:cNvSpPr>
+            <a:spLocks noGrp="1" noRot="1" noChangeAspect="1" noMove="1" noResize="1" noEditPoints="1" noAdjustHandles="1" noChangeArrowheads="1" noChangeShapeType="1" noTextEdit="1"/>
+          </p:cNvSpPr>
+          <p:nvPr>
+            <p:extLst>
+              <p:ext uri="{386F3935-93C4-4BCD-93E2-E3B085C9AB24}">
+                <p16:designElem xmlns:p16="http://schemas.microsoft.com/office/powerpoint/2015/main" val="1"/>
+              </p:ext>
+            </p:extLst>
+          </p:nvPr>
+        </p:nvSpPr>
+        <p:spPr>
+          <a:xfrm>
+            <a:off x="0" y="0"/>
+            <a:ext cx="12191999" cy="6858000"/>
+          </a:xfrm>
+          <a:prstGeom prst="rect">
+            <a:avLst/>
+          </a:prstGeom>
+          <a:ln>
+            <a:noFill/>
+          </a:ln>
+        </p:spPr>
+        <p:style>
+          <a:lnRef idx="2">
+            <a:schemeClr val="accent1">
+              <a:shade val="50000"/>
+            </a:schemeClr>
+          </a:lnRef>
+          <a:fillRef idx="1">
+            <a:schemeClr val="accent1"/>
+          </a:fillRef>
+          <a:effectRef idx="0">
+            <a:schemeClr val="accent1"/>
+          </a:effectRef>
+          <a:fontRef idx="minor">
+            <a:schemeClr val="lt1"/>
+          </a:fontRef>
+        </p:style>
+        <p:txBody>
+          <a:bodyPr rtlCol="0" anchor="ctr"/>
+          <a:lstStyle/>
+          <a:p>
+            <a:pPr marL="0" marR="0" lvl="0" indent="0" algn="ctr" defTabSz="457200" rtl="0" eaLnBrk="1" fontAlgn="auto" latinLnBrk="0" hangingPunct="1">
+              <a:lnSpc>
+                <a:spcPct val="100000"/>
+              </a:lnSpc>
+              <a:spcBef>
+                <a:spcPts val="0"/>
+              </a:spcBef>
+              <a:spcAft>
+                <a:spcPts val="0"/>
+              </a:spcAft>
+              <a:buClrTx/>
+              <a:buSzTx/>
+              <a:buFontTx/>
+              <a:buNone/>
+              <a:tabLst/>
+              <a:defRPr/>
+            </a:pPr>
+            <a:endParaRPr kumimoji="0" lang="en-US" sz="1800" b="0" i="0" u="none" strike="noStrike" kern="1200" cap="none" spc="0" normalizeH="0" baseline="0" noProof="0">
+              <a:ln>
+                <a:noFill/>
+              </a:ln>
+              <a:solidFill>
+                <a:srgbClr val="FFFFFF"/>
+              </a:solidFill>
+              <a:effectLst/>
+              <a:uLnTx/>
+              <a:uFillTx/>
+              <a:latin typeface="Corbel" panose="020B0503020204020204"/>
+              <a:ea typeface="+mn-ea"/>
+              <a:cs typeface="+mn-cs"/>
+            </a:endParaRPr>
+          </a:p>
+        </p:txBody>
+      </p:sp>
+      <p:sp>
+        <p:nvSpPr>
+          <p:cNvPr id="137" name="Rectangle 136">
+            <a:extLst>
+              <a:ext uri="{FF2B5EF4-FFF2-40B4-BE49-F238E27FC236}">
+                <a16:creationId xmlns:a16="http://schemas.microsoft.com/office/drawing/2014/main" id="{3126970D-C1E5-4FB1-84E8-86CB9CED1C80}"/>
+              </a:ext>
+              <a:ext uri="{C183D7F6-B498-43B3-948B-1728B52AA6E4}">
+                <adec:decorative xmlns:adec="http://schemas.microsoft.com/office/drawing/2017/decorative" val="1"/>
+              </a:ext>
+            </a:extLst>
+          </p:cNvPr>
+          <p:cNvSpPr>
+            <a:spLocks noGrp="1" noRot="1" noChangeAspect="1" noMove="1" noResize="1" noEditPoints="1" noAdjustHandles="1" noChangeArrowheads="1" noChangeShapeType="1" noTextEdit="1"/>
+          </p:cNvSpPr>
+          <p:nvPr>
+            <p:extLst>
+              <p:ext uri="{386F3935-93C4-4BCD-93E2-E3B085C9AB24}">
+                <p16:designElem xmlns:p16="http://schemas.microsoft.com/office/powerpoint/2015/main" val="1"/>
+              </p:ext>
+            </p:extLst>
+          </p:nvPr>
+        </p:nvSpPr>
+        <p:spPr>
+          <a:xfrm>
+            <a:off x="0" y="4367639"/>
+            <a:ext cx="11707367" cy="1852186"/>
+          </a:xfrm>
+          <a:prstGeom prst="rect">
+            <a:avLst/>
+          </a:prstGeom>
+          <a:solidFill>
+            <a:schemeClr val="accent1"/>
+          </a:solidFill>
+          <a:ln>
+            <a:noFill/>
+          </a:ln>
+        </p:spPr>
+        <p:style>
+          <a:lnRef idx="2">
+            <a:schemeClr val="accent1">
+              <a:shade val="50000"/>
+            </a:schemeClr>
+          </a:lnRef>
+          <a:fillRef idx="1">
+            <a:schemeClr val="accent1"/>
+          </a:fillRef>
+          <a:effectRef idx="0">
+            <a:schemeClr val="accent1"/>
+          </a:effectRef>
+          <a:fontRef idx="minor">
+            <a:schemeClr val="lt1"/>
+          </a:fontRef>
+        </p:style>
+      </p:sp>
+      <p:sp>
+        <p:nvSpPr>
+          <p:cNvPr id="28" name="Заголовок 1">
+            <a:extLst>
+              <a:ext uri="{FF2B5EF4-FFF2-40B4-BE49-F238E27FC236}">
+                <a16:creationId xmlns:a16="http://schemas.microsoft.com/office/drawing/2014/main" id="{A1800B60-BA5D-4BD9-AAE0-43620F882506}"/>
+              </a:ext>
+            </a:extLst>
+          </p:cNvPr>
+          <p:cNvSpPr txBox="1">
+            <a:spLocks/>
+          </p:cNvSpPr>
+          <p:nvPr/>
+        </p:nvSpPr>
+        <p:spPr>
+          <a:xfrm>
+            <a:off x="274718" y="4690051"/>
+            <a:ext cx="10210862" cy="1293305"/>
+          </a:xfrm>
+          <a:prstGeom prst="rect">
+            <a:avLst/>
+          </a:prstGeom>
+        </p:spPr>
+        <p:txBody>
+          <a:bodyPr vert="horz" lIns="91440" tIns="45720" rIns="91440" bIns="45720" rtlCol="0" anchor="b">
+            <a:normAutofit/>
+          </a:bodyPr>
+          <a:lstStyle>
+            <a:lvl1pPr algn="l" defTabSz="914400" rtl="0" eaLnBrk="1" latinLnBrk="0" hangingPunct="1">
+              <a:lnSpc>
+                <a:spcPct val="90000"/>
+              </a:lnSpc>
+              <a:spcBef>
+                <a:spcPct val="0"/>
+              </a:spcBef>
+              <a:buNone/>
+              <a:defRPr sz="5900" kern="1200" spc="-100" baseline="0">
+                <a:solidFill>
+                  <a:srgbClr val="FFFFFF"/>
+                </a:solidFill>
+                <a:latin typeface="+mj-lt"/>
+                <a:ea typeface="+mj-ea"/>
+                <a:cs typeface="+mj-cs"/>
+              </a:defRPr>
+            </a:lvl1pPr>
+          </a:lstStyle>
+          <a:p>
+            <a:pPr>
+              <a:spcAft>
+                <a:spcPts val="600"/>
+              </a:spcAft>
+              <a:buClr>
+                <a:srgbClr val="40BAD2"/>
+              </a:buClr>
+              <a:defRPr/>
+            </a:pPr>
+            <a:r>
+              <a:rPr lang="ru-RU" sz="3200" b="1" dirty="0"/>
+              <a:t>Ключевое слово </a:t>
+            </a:r>
+            <a:r>
+              <a:rPr lang="en-US" sz="3200" b="1" dirty="0"/>
+              <a:t>super</a:t>
+            </a:r>
+            <a:br>
+              <a:rPr lang="en-US" sz="3200" b="1" dirty="0"/>
+            </a:br>
+            <a:endParaRPr lang="en-US" sz="3200" b="1" dirty="0"/>
+          </a:p>
+        </p:txBody>
+      </p:sp>
+      <p:sp>
+        <p:nvSpPr>
+          <p:cNvPr id="5" name="Прямоугольник 4">
+            <a:extLst>
+              <a:ext uri="{FF2B5EF4-FFF2-40B4-BE49-F238E27FC236}">
+                <a16:creationId xmlns:a16="http://schemas.microsoft.com/office/drawing/2014/main" id="{CD3021E2-F496-49D5-8963-37F8352ABFF8}"/>
+              </a:ext>
+            </a:extLst>
+          </p:cNvPr>
+          <p:cNvSpPr/>
+          <p:nvPr/>
+        </p:nvSpPr>
+        <p:spPr>
+          <a:xfrm>
+            <a:off x="484633" y="372249"/>
+            <a:ext cx="5611367" cy="3645293"/>
+          </a:xfrm>
+          <a:prstGeom prst="rect">
+            <a:avLst/>
+          </a:prstGeom>
+        </p:spPr>
+        <p:txBody>
+          <a:bodyPr wrap="square">
+            <a:spAutoFit/>
+          </a:bodyPr>
+          <a:lstStyle/>
+          <a:p>
+            <a:pPr>
+              <a:lnSpc>
+                <a:spcPct val="80000"/>
+              </a:lnSpc>
+            </a:pPr>
+            <a:r>
+              <a:rPr lang="en-US" sz="2400" dirty="0">
+                <a:solidFill>
+                  <a:srgbClr val="A626A4"/>
+                </a:solidFill>
+                <a:latin typeface="SFMono-Regular"/>
+              </a:rPr>
+              <a:t>public class</a:t>
+            </a:r>
+            <a:r>
+              <a:rPr lang="en-US" sz="2400" dirty="0">
+                <a:solidFill>
+                  <a:srgbClr val="383A42"/>
+                </a:solidFill>
+                <a:latin typeface="SFMono-Regular"/>
+              </a:rPr>
+              <a:t> Unit</a:t>
+            </a:r>
+            <a:r>
+              <a:rPr lang="ru-RU" sz="2400" dirty="0">
+                <a:solidFill>
+                  <a:srgbClr val="A626A4"/>
+                </a:solidFill>
+                <a:latin typeface="SFMono-Regular"/>
+              </a:rPr>
+              <a:t> {</a:t>
+            </a:r>
+            <a:endParaRPr lang="en-US" sz="2400" dirty="0">
+              <a:solidFill>
+                <a:srgbClr val="A626A4"/>
+              </a:solidFill>
+              <a:latin typeface="SFMono-Regular"/>
+            </a:endParaRPr>
+          </a:p>
+          <a:p>
+            <a:pPr>
+              <a:lnSpc>
+                <a:spcPct val="80000"/>
+              </a:lnSpc>
+            </a:pPr>
+            <a:r>
+              <a:rPr lang="en-US" sz="2400" dirty="0">
+                <a:solidFill>
+                  <a:srgbClr val="A626A4"/>
+                </a:solidFill>
+                <a:latin typeface="SFMono-Regular"/>
+              </a:rPr>
+              <a:t>	</a:t>
+            </a:r>
+            <a:r>
+              <a:rPr lang="en-US" sz="2400" dirty="0">
+                <a:solidFill>
+                  <a:srgbClr val="986801"/>
+                </a:solidFill>
+                <a:latin typeface="SFMono-Regular"/>
+              </a:rPr>
+              <a:t>String</a:t>
+            </a:r>
+            <a:r>
+              <a:rPr lang="en-US" sz="2400" dirty="0">
+                <a:solidFill>
+                  <a:srgbClr val="A626A4"/>
+                </a:solidFill>
+                <a:latin typeface="SFMono-Regular"/>
+              </a:rPr>
+              <a:t> </a:t>
+            </a:r>
+            <a:r>
+              <a:rPr lang="en-US" sz="2400" dirty="0">
+                <a:solidFill>
+                  <a:srgbClr val="383A42"/>
+                </a:solidFill>
+                <a:latin typeface="SFMono-Regular"/>
+              </a:rPr>
+              <a:t>name;</a:t>
+            </a:r>
+            <a:r>
+              <a:rPr lang="ru-RU" sz="2400" dirty="0">
+                <a:solidFill>
+                  <a:srgbClr val="383A42"/>
+                </a:solidFill>
+                <a:latin typeface="SFMono-Regular"/>
+              </a:rPr>
+              <a:t> </a:t>
+            </a:r>
+          </a:p>
+          <a:p>
+            <a:pPr>
+              <a:lnSpc>
+                <a:spcPct val="80000"/>
+              </a:lnSpc>
+            </a:pPr>
+            <a:r>
+              <a:rPr lang="ru-RU" sz="2400" dirty="0">
+                <a:solidFill>
+                  <a:srgbClr val="383A42"/>
+                </a:solidFill>
+                <a:latin typeface="SFMono-Regular"/>
+              </a:rPr>
+              <a:t>	</a:t>
+            </a:r>
+            <a:r>
+              <a:rPr lang="en-US" sz="2400" dirty="0">
+                <a:solidFill>
+                  <a:srgbClr val="986801"/>
+                </a:solidFill>
+                <a:latin typeface="SFMono-Regular"/>
+              </a:rPr>
+              <a:t>int </a:t>
+            </a:r>
+            <a:r>
+              <a:rPr lang="en-US" sz="2400" dirty="0">
+                <a:solidFill>
+                  <a:srgbClr val="383A42"/>
+                </a:solidFill>
+                <a:latin typeface="SFMono-Regular"/>
+              </a:rPr>
+              <a:t>health</a:t>
+            </a:r>
+            <a:r>
+              <a:rPr lang="ru-RU" sz="2400" dirty="0">
+                <a:solidFill>
+                  <a:srgbClr val="383A42"/>
+                </a:solidFill>
+                <a:latin typeface="SFMono-Regular"/>
+              </a:rPr>
+              <a:t>; </a:t>
+            </a:r>
+          </a:p>
+          <a:p>
+            <a:pPr>
+              <a:lnSpc>
+                <a:spcPct val="80000"/>
+              </a:lnSpc>
+            </a:pPr>
+            <a:endParaRPr lang="en-US" sz="2400" i="1" dirty="0">
+              <a:solidFill>
+                <a:srgbClr val="A0A1A7"/>
+              </a:solidFill>
+              <a:latin typeface="SFMono-Regular"/>
+            </a:endParaRPr>
+          </a:p>
+          <a:p>
+            <a:pPr>
+              <a:lnSpc>
+                <a:spcPct val="80000"/>
+              </a:lnSpc>
+            </a:pPr>
+            <a:r>
+              <a:rPr lang="en-US" sz="2400" i="1" dirty="0">
+                <a:solidFill>
+                  <a:srgbClr val="A0A1A7"/>
+                </a:solidFill>
+                <a:latin typeface="SFMono-Regular"/>
+              </a:rPr>
+              <a:t>	</a:t>
+            </a:r>
+            <a:r>
+              <a:rPr lang="en-US" sz="2400" dirty="0">
+                <a:solidFill>
+                  <a:srgbClr val="986801"/>
+                </a:solidFill>
+                <a:latin typeface="SFMono-Regular"/>
+              </a:rPr>
+              <a:t>public</a:t>
+            </a:r>
+            <a:r>
+              <a:rPr lang="en-US" sz="2400" dirty="0">
+                <a:solidFill>
+                  <a:srgbClr val="383A42"/>
+                </a:solidFill>
+                <a:latin typeface="SFMono-Regular"/>
+              </a:rPr>
+              <a:t> </a:t>
+            </a:r>
+            <a:r>
+              <a:rPr lang="en-US" sz="2400" dirty="0">
+                <a:solidFill>
+                  <a:srgbClr val="C00000"/>
+                </a:solidFill>
+                <a:latin typeface="SFMono-Regular"/>
+              </a:rPr>
+              <a:t>Unit</a:t>
+            </a:r>
+            <a:r>
+              <a:rPr lang="en-US" sz="2400" dirty="0">
+                <a:solidFill>
+                  <a:srgbClr val="383A42"/>
+                </a:solidFill>
+                <a:latin typeface="SFMono-Regular"/>
+              </a:rPr>
+              <a:t>() {	}</a:t>
+            </a:r>
+            <a:endParaRPr lang="ru-RU" sz="2400" dirty="0">
+              <a:solidFill>
+                <a:srgbClr val="383A42"/>
+              </a:solidFill>
+              <a:latin typeface="SFMono-Regular"/>
+            </a:endParaRPr>
+          </a:p>
+          <a:p>
+            <a:pPr>
+              <a:lnSpc>
+                <a:spcPct val="80000"/>
+              </a:lnSpc>
+            </a:pPr>
+            <a:endParaRPr lang="en-US" sz="2400" i="1" dirty="0">
+              <a:solidFill>
+                <a:srgbClr val="A0A1A7"/>
+              </a:solidFill>
+              <a:latin typeface="SFMono-Regular"/>
+            </a:endParaRPr>
+          </a:p>
+          <a:p>
+            <a:pPr>
+              <a:lnSpc>
+                <a:spcPct val="80000"/>
+              </a:lnSpc>
+            </a:pPr>
+            <a:r>
+              <a:rPr lang="en-US" sz="2400" dirty="0">
+                <a:solidFill>
+                  <a:srgbClr val="383A42"/>
+                </a:solidFill>
+                <a:latin typeface="SFMono-Regular"/>
+              </a:rPr>
+              <a:t>	</a:t>
+            </a:r>
+            <a:r>
+              <a:rPr lang="en-US" sz="2400" dirty="0">
+                <a:solidFill>
+                  <a:srgbClr val="986801"/>
+                </a:solidFill>
+                <a:latin typeface="SFMono-Regular"/>
+              </a:rPr>
+              <a:t>public</a:t>
+            </a:r>
+            <a:r>
+              <a:rPr lang="en-US" sz="2400" dirty="0">
+                <a:solidFill>
+                  <a:srgbClr val="383A42"/>
+                </a:solidFill>
+                <a:latin typeface="SFMono-Regular"/>
+              </a:rPr>
+              <a:t> </a:t>
+            </a:r>
+            <a:r>
+              <a:rPr lang="en-US" sz="2400" dirty="0">
+                <a:solidFill>
+                  <a:srgbClr val="C00000"/>
+                </a:solidFill>
+                <a:latin typeface="SFMono-Regular"/>
+              </a:rPr>
+              <a:t>Unit</a:t>
+            </a:r>
+            <a:r>
+              <a:rPr lang="en-US" sz="2400" dirty="0">
+                <a:solidFill>
+                  <a:srgbClr val="383A42"/>
+                </a:solidFill>
+                <a:latin typeface="SFMono-Regular"/>
+              </a:rPr>
+              <a:t>(</a:t>
+            </a:r>
+            <a:r>
+              <a:rPr lang="en-US" sz="2400" dirty="0">
+                <a:solidFill>
+                  <a:srgbClr val="986801"/>
+                </a:solidFill>
+                <a:latin typeface="SFMono-Regular"/>
+              </a:rPr>
+              <a:t>String</a:t>
+            </a:r>
+            <a:r>
+              <a:rPr lang="en-US" sz="2400" dirty="0">
+                <a:solidFill>
+                  <a:srgbClr val="383A42"/>
+                </a:solidFill>
+                <a:latin typeface="SFMono-Regular"/>
+              </a:rPr>
+              <a:t> name, </a:t>
+            </a:r>
+            <a:r>
+              <a:rPr lang="en-US" sz="2400" dirty="0">
+                <a:solidFill>
+                  <a:srgbClr val="986801"/>
+                </a:solidFill>
+                <a:latin typeface="SFMono-Regular"/>
+              </a:rPr>
+              <a:t>int</a:t>
+            </a:r>
+            <a:r>
+              <a:rPr lang="en-US" sz="2400" dirty="0">
+                <a:solidFill>
+                  <a:srgbClr val="383A42"/>
+                </a:solidFill>
+                <a:latin typeface="SFMono-Regular"/>
+              </a:rPr>
+              <a:t> health) {</a:t>
+            </a:r>
+          </a:p>
+          <a:p>
+            <a:pPr>
+              <a:lnSpc>
+                <a:spcPct val="80000"/>
+              </a:lnSpc>
+            </a:pPr>
+            <a:r>
+              <a:rPr lang="en-US" sz="2400" dirty="0">
+                <a:solidFill>
+                  <a:srgbClr val="383A42"/>
+                </a:solidFill>
+                <a:latin typeface="SFMono-Regular"/>
+              </a:rPr>
+              <a:t>		this.name = name;</a:t>
+            </a:r>
+          </a:p>
+          <a:p>
+            <a:pPr>
+              <a:lnSpc>
+                <a:spcPct val="80000"/>
+              </a:lnSpc>
+            </a:pPr>
+            <a:r>
+              <a:rPr lang="en-US" sz="2400" dirty="0">
+                <a:solidFill>
+                  <a:srgbClr val="383A42"/>
+                </a:solidFill>
+                <a:latin typeface="SFMono-Regular"/>
+              </a:rPr>
+              <a:t>		</a:t>
+            </a:r>
+            <a:r>
+              <a:rPr lang="en-US" sz="2400" dirty="0" err="1">
+                <a:solidFill>
+                  <a:srgbClr val="383A42"/>
+                </a:solidFill>
+                <a:latin typeface="SFMono-Regular"/>
+              </a:rPr>
+              <a:t>this.health</a:t>
+            </a:r>
+            <a:r>
+              <a:rPr lang="en-US" sz="2400" dirty="0">
+                <a:solidFill>
+                  <a:srgbClr val="383A42"/>
+                </a:solidFill>
+                <a:latin typeface="SFMono-Regular"/>
+              </a:rPr>
+              <a:t> = health; </a:t>
+            </a:r>
+          </a:p>
+          <a:p>
+            <a:pPr>
+              <a:lnSpc>
+                <a:spcPct val="80000"/>
+              </a:lnSpc>
+            </a:pPr>
+            <a:r>
+              <a:rPr lang="en-US" sz="2400" dirty="0">
+                <a:solidFill>
+                  <a:srgbClr val="383A42"/>
+                </a:solidFill>
+                <a:latin typeface="SFMono-Regular"/>
+              </a:rPr>
+              <a:t>	}</a:t>
+            </a:r>
+          </a:p>
+          <a:p>
+            <a:pPr>
+              <a:lnSpc>
+                <a:spcPct val="80000"/>
+              </a:lnSpc>
+            </a:pPr>
+            <a:r>
+              <a:rPr lang="en-US" sz="2400" dirty="0">
+                <a:solidFill>
+                  <a:srgbClr val="383A42"/>
+                </a:solidFill>
+                <a:latin typeface="SFMono-Regular"/>
+              </a:rPr>
+              <a:t>…</a:t>
+            </a:r>
+            <a:endParaRPr lang="ru-RU" sz="2400" dirty="0">
+              <a:solidFill>
+                <a:srgbClr val="383A42"/>
+              </a:solidFill>
+              <a:latin typeface="SFMono-Regular"/>
+            </a:endParaRPr>
+          </a:p>
+          <a:p>
+            <a:pPr>
+              <a:lnSpc>
+                <a:spcPct val="80000"/>
+              </a:lnSpc>
+            </a:pPr>
+            <a:r>
+              <a:rPr lang="ru-RU" sz="2400" dirty="0">
+                <a:solidFill>
+                  <a:srgbClr val="A626A4"/>
+                </a:solidFill>
+                <a:latin typeface="SFMono-Regular"/>
+              </a:rPr>
+              <a:t>}</a:t>
+            </a:r>
+          </a:p>
+        </p:txBody>
+      </p:sp>
+      <p:sp>
+        <p:nvSpPr>
+          <p:cNvPr id="6" name="Прямоугольник 5">
+            <a:extLst>
+              <a:ext uri="{FF2B5EF4-FFF2-40B4-BE49-F238E27FC236}">
+                <a16:creationId xmlns:a16="http://schemas.microsoft.com/office/drawing/2014/main" id="{81C3BD4A-45D6-4902-BB59-1A13D0712F11}"/>
+              </a:ext>
+            </a:extLst>
+          </p:cNvPr>
+          <p:cNvSpPr/>
+          <p:nvPr/>
+        </p:nvSpPr>
+        <p:spPr>
+          <a:xfrm>
+            <a:off x="5899893" y="202697"/>
+            <a:ext cx="5722138" cy="2102437"/>
+          </a:xfrm>
+          <a:prstGeom prst="rect">
+            <a:avLst/>
+          </a:prstGeom>
+          <a:noFill/>
+          <a:ln w="38100">
+            <a:solidFill>
+              <a:schemeClr val="tx1">
+                <a:lumMod val="50000"/>
+                <a:lumOff val="50000"/>
+              </a:schemeClr>
+            </a:solidFill>
+          </a:ln>
+        </p:spPr>
+        <p:style>
+          <a:lnRef idx="2">
+            <a:schemeClr val="accent1">
+              <a:shade val="50000"/>
+            </a:schemeClr>
+          </a:lnRef>
+          <a:fillRef idx="1">
+            <a:schemeClr val="accent1"/>
+          </a:fillRef>
+          <a:effectRef idx="0">
+            <a:schemeClr val="accent1"/>
+          </a:effectRef>
+          <a:fontRef idx="minor">
+            <a:schemeClr val="lt1"/>
+          </a:fontRef>
+        </p:style>
+        <p:txBody>
+          <a:bodyPr rtlCol="0" anchor="ctr"/>
+          <a:lstStyle/>
+          <a:p>
+            <a:pPr algn="ctr"/>
+            <a:endParaRPr lang="ru-RU">
+              <a:noFill/>
+            </a:endParaRPr>
+          </a:p>
+        </p:txBody>
+      </p:sp>
+      <p:sp>
+        <p:nvSpPr>
+          <p:cNvPr id="7" name="Прямоугольник 6">
+            <a:extLst>
+              <a:ext uri="{FF2B5EF4-FFF2-40B4-BE49-F238E27FC236}">
+                <a16:creationId xmlns:a16="http://schemas.microsoft.com/office/drawing/2014/main" id="{2814B0E0-2E61-4C32-8688-087D35674890}"/>
+              </a:ext>
+            </a:extLst>
+          </p:cNvPr>
+          <p:cNvSpPr/>
+          <p:nvPr/>
+        </p:nvSpPr>
+        <p:spPr>
+          <a:xfrm>
+            <a:off x="5945310" y="194655"/>
+            <a:ext cx="5736802" cy="2167966"/>
+          </a:xfrm>
+          <a:prstGeom prst="rect">
+            <a:avLst/>
+          </a:prstGeom>
+        </p:spPr>
+        <p:txBody>
+          <a:bodyPr wrap="square">
+            <a:spAutoFit/>
+          </a:bodyPr>
+          <a:lstStyle/>
+          <a:p>
+            <a:pPr>
+              <a:lnSpc>
+                <a:spcPct val="80000"/>
+              </a:lnSpc>
+            </a:pPr>
+            <a:r>
+              <a:rPr lang="en-US" sz="2400" dirty="0">
+                <a:solidFill>
+                  <a:srgbClr val="A626A4"/>
+                </a:solidFill>
+                <a:latin typeface="SFMono-Regular"/>
+              </a:rPr>
+              <a:t>public class</a:t>
+            </a:r>
+            <a:r>
+              <a:rPr lang="en-US" sz="2400" dirty="0">
+                <a:solidFill>
+                  <a:srgbClr val="383A42"/>
+                </a:solidFill>
+                <a:latin typeface="SFMono-Regular"/>
+              </a:rPr>
+              <a:t> Human</a:t>
+            </a:r>
+            <a:r>
+              <a:rPr lang="ru-RU" sz="2400" dirty="0">
+                <a:solidFill>
+                  <a:srgbClr val="A626A4"/>
+                </a:solidFill>
+                <a:latin typeface="SFMono-Regular"/>
+              </a:rPr>
+              <a:t> </a:t>
+            </a:r>
+            <a:r>
+              <a:rPr lang="en-US" sz="2400" dirty="0">
+                <a:solidFill>
+                  <a:srgbClr val="A626A4"/>
+                </a:solidFill>
+                <a:latin typeface="SFMono-Regular"/>
+              </a:rPr>
+              <a:t>extends </a:t>
+            </a:r>
+            <a:r>
+              <a:rPr lang="en-US" sz="2400" dirty="0">
+                <a:solidFill>
+                  <a:srgbClr val="383A42"/>
+                </a:solidFill>
+                <a:latin typeface="SFMono-Regular"/>
+              </a:rPr>
+              <a:t>Unit </a:t>
+            </a:r>
+            <a:r>
+              <a:rPr lang="ru-RU" sz="2400" dirty="0">
+                <a:solidFill>
+                  <a:srgbClr val="A626A4"/>
+                </a:solidFill>
+                <a:latin typeface="SFMono-Regular"/>
+              </a:rPr>
+              <a:t>{</a:t>
+            </a:r>
+            <a:endParaRPr lang="en-US" sz="2400" dirty="0">
+              <a:solidFill>
+                <a:srgbClr val="A626A4"/>
+              </a:solidFill>
+              <a:latin typeface="SFMono-Regular"/>
+            </a:endParaRPr>
+          </a:p>
+          <a:p>
+            <a:pPr>
+              <a:lnSpc>
+                <a:spcPct val="80000"/>
+              </a:lnSpc>
+            </a:pPr>
+            <a:r>
+              <a:rPr lang="en-US" sz="2400" dirty="0">
+                <a:solidFill>
+                  <a:srgbClr val="383A42"/>
+                </a:solidFill>
+                <a:latin typeface="SFMono-Regular"/>
+              </a:rPr>
+              <a:t>	</a:t>
+            </a:r>
+          </a:p>
+          <a:p>
+            <a:pPr>
+              <a:lnSpc>
+                <a:spcPct val="80000"/>
+              </a:lnSpc>
+            </a:pPr>
+            <a:r>
+              <a:rPr lang="en-US" sz="2400" dirty="0">
+                <a:solidFill>
+                  <a:srgbClr val="383A42"/>
+                </a:solidFill>
+                <a:latin typeface="SFMono-Regular"/>
+              </a:rPr>
+              <a:t>	</a:t>
+            </a:r>
+            <a:r>
+              <a:rPr lang="en-US" sz="2400" dirty="0">
+                <a:solidFill>
+                  <a:srgbClr val="986801"/>
+                </a:solidFill>
+                <a:latin typeface="SFMono-Regular"/>
+              </a:rPr>
+              <a:t>public</a:t>
+            </a:r>
+            <a:r>
+              <a:rPr lang="en-US" sz="2400" b="0" i="0" dirty="0">
+                <a:solidFill>
+                  <a:srgbClr val="383A42"/>
+                </a:solidFill>
+                <a:effectLst/>
+                <a:latin typeface="SFMono-Regular"/>
+              </a:rPr>
+              <a:t> </a:t>
+            </a:r>
+            <a:r>
+              <a:rPr lang="en-US" sz="2400" dirty="0">
+                <a:solidFill>
+                  <a:srgbClr val="C00000"/>
+                </a:solidFill>
+                <a:latin typeface="SFMono-Regular"/>
+              </a:rPr>
+              <a:t>Human</a:t>
+            </a:r>
+            <a:r>
+              <a:rPr lang="en-US" sz="2400" dirty="0">
+                <a:solidFill>
+                  <a:srgbClr val="383A42"/>
+                </a:solidFill>
+                <a:latin typeface="SFMono-Regular"/>
+              </a:rPr>
+              <a:t>(</a:t>
+            </a:r>
+            <a:r>
+              <a:rPr lang="en-US" sz="2400" dirty="0">
+                <a:solidFill>
+                  <a:srgbClr val="986801"/>
+                </a:solidFill>
+                <a:latin typeface="SFMono-Regular"/>
+              </a:rPr>
+              <a:t>String</a:t>
+            </a:r>
+            <a:r>
+              <a:rPr lang="en-US" sz="2400" dirty="0">
+                <a:solidFill>
+                  <a:srgbClr val="383A42"/>
+                </a:solidFill>
+                <a:latin typeface="SFMono-Regular"/>
+              </a:rPr>
+              <a:t> name, </a:t>
+            </a:r>
+            <a:r>
+              <a:rPr lang="en-US" sz="2400" dirty="0">
+                <a:solidFill>
+                  <a:srgbClr val="986801"/>
+                </a:solidFill>
+                <a:latin typeface="SFMono-Regular"/>
+              </a:rPr>
+              <a:t>int</a:t>
+            </a:r>
+            <a:r>
+              <a:rPr lang="en-US" sz="2400" dirty="0">
+                <a:solidFill>
+                  <a:srgbClr val="383A42"/>
+                </a:solidFill>
+                <a:latin typeface="SFMono-Regular"/>
+              </a:rPr>
+              <a:t> health) {</a:t>
+            </a:r>
+          </a:p>
+          <a:p>
+            <a:pPr>
+              <a:lnSpc>
+                <a:spcPct val="80000"/>
+              </a:lnSpc>
+            </a:pPr>
+            <a:r>
+              <a:rPr lang="en-US" sz="2400" dirty="0">
+                <a:solidFill>
+                  <a:srgbClr val="383A42"/>
+                </a:solidFill>
+                <a:latin typeface="SFMono-Regular"/>
+              </a:rPr>
+              <a:t>		this.name = name;</a:t>
+            </a:r>
+          </a:p>
+          <a:p>
+            <a:pPr>
+              <a:lnSpc>
+                <a:spcPct val="80000"/>
+              </a:lnSpc>
+            </a:pPr>
+            <a:r>
+              <a:rPr lang="en-US" sz="2400" dirty="0">
+                <a:solidFill>
+                  <a:srgbClr val="383A42"/>
+                </a:solidFill>
+                <a:latin typeface="SFMono-Regular"/>
+              </a:rPr>
+              <a:t>		</a:t>
+            </a:r>
+            <a:r>
+              <a:rPr lang="en-US" sz="2400" dirty="0" err="1">
+                <a:solidFill>
+                  <a:srgbClr val="383A42"/>
+                </a:solidFill>
+                <a:latin typeface="SFMono-Regular"/>
+              </a:rPr>
+              <a:t>this.health</a:t>
+            </a:r>
+            <a:r>
+              <a:rPr lang="en-US" sz="2400" dirty="0">
+                <a:solidFill>
+                  <a:srgbClr val="383A42"/>
+                </a:solidFill>
+                <a:latin typeface="SFMono-Regular"/>
+              </a:rPr>
+              <a:t> = health; </a:t>
+            </a:r>
+          </a:p>
+          <a:p>
+            <a:pPr>
+              <a:lnSpc>
+                <a:spcPct val="80000"/>
+              </a:lnSpc>
+            </a:pPr>
+            <a:r>
+              <a:rPr lang="en-US" sz="2400" dirty="0">
+                <a:solidFill>
+                  <a:srgbClr val="383A42"/>
+                </a:solidFill>
+                <a:latin typeface="SFMono-Regular"/>
+              </a:rPr>
+              <a:t>	}</a:t>
+            </a:r>
+            <a:endParaRPr lang="ru-RU" sz="2400" dirty="0">
+              <a:solidFill>
+                <a:srgbClr val="383A42"/>
+              </a:solidFill>
+              <a:latin typeface="SFMono-Regular"/>
+            </a:endParaRPr>
+          </a:p>
+          <a:p>
+            <a:pPr>
+              <a:lnSpc>
+                <a:spcPct val="80000"/>
+              </a:lnSpc>
+            </a:pPr>
+            <a:r>
+              <a:rPr lang="ru-RU" sz="2400" dirty="0">
+                <a:solidFill>
+                  <a:srgbClr val="A626A4"/>
+                </a:solidFill>
+                <a:latin typeface="SFMono-Regular"/>
+              </a:rPr>
+              <a:t>}</a:t>
+            </a:r>
+          </a:p>
+        </p:txBody>
+      </p:sp>
+      <p:sp>
+        <p:nvSpPr>
+          <p:cNvPr id="8" name="Прямоугольник 7">
+            <a:extLst>
+              <a:ext uri="{FF2B5EF4-FFF2-40B4-BE49-F238E27FC236}">
+                <a16:creationId xmlns:a16="http://schemas.microsoft.com/office/drawing/2014/main" id="{D4B22B3F-AB83-4E7B-AE07-71C9C1FC0722}"/>
+              </a:ext>
+            </a:extLst>
+          </p:cNvPr>
+          <p:cNvSpPr/>
+          <p:nvPr/>
+        </p:nvSpPr>
+        <p:spPr>
+          <a:xfrm>
+            <a:off x="328592" y="212676"/>
+            <a:ext cx="5415260" cy="4086381"/>
+          </a:xfrm>
+          <a:prstGeom prst="rect">
+            <a:avLst/>
+          </a:prstGeom>
+          <a:noFill/>
+          <a:ln w="38100">
+            <a:solidFill>
+              <a:schemeClr val="tx1">
+                <a:lumMod val="50000"/>
+                <a:lumOff val="50000"/>
+              </a:schemeClr>
+            </a:solidFill>
+          </a:ln>
+        </p:spPr>
+        <p:style>
+          <a:lnRef idx="2">
+            <a:schemeClr val="accent1">
+              <a:shade val="50000"/>
+            </a:schemeClr>
+          </a:lnRef>
+          <a:fillRef idx="1">
+            <a:schemeClr val="accent1"/>
+          </a:fillRef>
+          <a:effectRef idx="0">
+            <a:schemeClr val="accent1"/>
+          </a:effectRef>
+          <a:fontRef idx="minor">
+            <a:schemeClr val="lt1"/>
+          </a:fontRef>
+        </p:style>
+        <p:txBody>
+          <a:bodyPr rtlCol="0" anchor="ctr"/>
+          <a:lstStyle/>
+          <a:p>
+            <a:pPr algn="ctr"/>
+            <a:endParaRPr lang="ru-RU">
+              <a:noFill/>
+            </a:endParaRPr>
+          </a:p>
+        </p:txBody>
+      </p:sp>
+      <p:sp>
+        <p:nvSpPr>
+          <p:cNvPr id="9" name="Прямоугольник 8">
+            <a:extLst>
+              <a:ext uri="{FF2B5EF4-FFF2-40B4-BE49-F238E27FC236}">
+                <a16:creationId xmlns:a16="http://schemas.microsoft.com/office/drawing/2014/main" id="{C941BEC7-4927-48EA-9827-40142588ADFA}"/>
+              </a:ext>
+            </a:extLst>
+          </p:cNvPr>
+          <p:cNvSpPr/>
+          <p:nvPr/>
+        </p:nvSpPr>
+        <p:spPr>
+          <a:xfrm>
+            <a:off x="5903152" y="2477363"/>
+            <a:ext cx="5715619" cy="1816127"/>
+          </a:xfrm>
+          <a:prstGeom prst="rect">
+            <a:avLst/>
+          </a:prstGeom>
+          <a:noFill/>
+          <a:ln w="38100">
+            <a:solidFill>
+              <a:schemeClr val="tx1">
+                <a:lumMod val="50000"/>
+                <a:lumOff val="50000"/>
+              </a:schemeClr>
+            </a:solidFill>
+          </a:ln>
+        </p:spPr>
+        <p:style>
+          <a:lnRef idx="2">
+            <a:schemeClr val="accent1">
+              <a:shade val="50000"/>
+            </a:schemeClr>
+          </a:lnRef>
+          <a:fillRef idx="1">
+            <a:schemeClr val="accent1"/>
+          </a:fillRef>
+          <a:effectRef idx="0">
+            <a:schemeClr val="accent1"/>
+          </a:effectRef>
+          <a:fontRef idx="minor">
+            <a:schemeClr val="lt1"/>
+          </a:fontRef>
+        </p:style>
+        <p:txBody>
+          <a:bodyPr rtlCol="0" anchor="ctr"/>
+          <a:lstStyle/>
+          <a:p>
+            <a:pPr algn="ctr"/>
+            <a:endParaRPr lang="ru-RU">
+              <a:noFill/>
+            </a:endParaRPr>
+          </a:p>
+        </p:txBody>
+      </p:sp>
+      <p:sp>
+        <p:nvSpPr>
+          <p:cNvPr id="10" name="Прямоугольник 9">
+            <a:extLst>
+              <a:ext uri="{FF2B5EF4-FFF2-40B4-BE49-F238E27FC236}">
+                <a16:creationId xmlns:a16="http://schemas.microsoft.com/office/drawing/2014/main" id="{39CF8F40-782E-422C-AAD7-467AA470B19C}"/>
+              </a:ext>
+            </a:extLst>
+          </p:cNvPr>
+          <p:cNvSpPr/>
+          <p:nvPr/>
+        </p:nvSpPr>
+        <p:spPr>
+          <a:xfrm>
+            <a:off x="5923450" y="2489572"/>
+            <a:ext cx="5736802" cy="1872500"/>
+          </a:xfrm>
+          <a:prstGeom prst="rect">
+            <a:avLst/>
+          </a:prstGeom>
+        </p:spPr>
+        <p:txBody>
+          <a:bodyPr wrap="square">
+            <a:spAutoFit/>
+          </a:bodyPr>
+          <a:lstStyle/>
+          <a:p>
+            <a:pPr>
+              <a:lnSpc>
+                <a:spcPct val="80000"/>
+              </a:lnSpc>
+            </a:pPr>
+            <a:r>
+              <a:rPr lang="en-US" sz="2400" dirty="0">
+                <a:solidFill>
+                  <a:srgbClr val="A626A4"/>
+                </a:solidFill>
+                <a:latin typeface="SFMono-Regular"/>
+              </a:rPr>
+              <a:t>public class</a:t>
+            </a:r>
+            <a:r>
+              <a:rPr lang="en-US" sz="2400" dirty="0">
+                <a:solidFill>
+                  <a:srgbClr val="383A42"/>
+                </a:solidFill>
+                <a:latin typeface="SFMono-Regular"/>
+              </a:rPr>
+              <a:t> Human</a:t>
+            </a:r>
+            <a:r>
+              <a:rPr lang="ru-RU" sz="2400" dirty="0">
+                <a:solidFill>
+                  <a:srgbClr val="A626A4"/>
+                </a:solidFill>
+                <a:latin typeface="SFMono-Regular"/>
+              </a:rPr>
+              <a:t> </a:t>
+            </a:r>
+            <a:r>
+              <a:rPr lang="en-US" sz="2400" dirty="0">
+                <a:solidFill>
+                  <a:srgbClr val="A626A4"/>
+                </a:solidFill>
+                <a:latin typeface="SFMono-Regular"/>
+              </a:rPr>
+              <a:t>extends </a:t>
+            </a:r>
+            <a:r>
+              <a:rPr lang="en-US" sz="2400" dirty="0">
+                <a:solidFill>
+                  <a:srgbClr val="383A42"/>
+                </a:solidFill>
+                <a:latin typeface="SFMono-Regular"/>
+              </a:rPr>
+              <a:t>Unit </a:t>
+            </a:r>
+            <a:r>
+              <a:rPr lang="ru-RU" sz="2400" dirty="0">
+                <a:solidFill>
+                  <a:srgbClr val="A626A4"/>
+                </a:solidFill>
+                <a:latin typeface="SFMono-Regular"/>
+              </a:rPr>
+              <a:t>{</a:t>
+            </a:r>
+            <a:endParaRPr lang="en-US" sz="2400" dirty="0">
+              <a:solidFill>
+                <a:srgbClr val="A626A4"/>
+              </a:solidFill>
+              <a:latin typeface="SFMono-Regular"/>
+            </a:endParaRPr>
+          </a:p>
+          <a:p>
+            <a:pPr>
+              <a:lnSpc>
+                <a:spcPct val="80000"/>
+              </a:lnSpc>
+            </a:pPr>
+            <a:r>
+              <a:rPr lang="en-US" sz="2400" dirty="0">
+                <a:solidFill>
+                  <a:srgbClr val="383A42"/>
+                </a:solidFill>
+                <a:latin typeface="SFMono-Regular"/>
+              </a:rPr>
+              <a:t>	</a:t>
+            </a:r>
+          </a:p>
+          <a:p>
+            <a:pPr>
+              <a:lnSpc>
+                <a:spcPct val="80000"/>
+              </a:lnSpc>
+            </a:pPr>
+            <a:r>
+              <a:rPr lang="en-US" sz="2400" dirty="0">
+                <a:solidFill>
+                  <a:srgbClr val="383A42"/>
+                </a:solidFill>
+                <a:latin typeface="SFMono-Regular"/>
+              </a:rPr>
+              <a:t>	</a:t>
+            </a:r>
+            <a:r>
+              <a:rPr lang="en-US" sz="2400" dirty="0">
+                <a:solidFill>
+                  <a:srgbClr val="986801"/>
+                </a:solidFill>
+                <a:latin typeface="SFMono-Regular"/>
+              </a:rPr>
+              <a:t>public</a:t>
+            </a:r>
+            <a:r>
+              <a:rPr lang="en-US" sz="2400" b="0" i="0" dirty="0">
+                <a:solidFill>
+                  <a:srgbClr val="383A42"/>
+                </a:solidFill>
+                <a:effectLst/>
+                <a:latin typeface="SFMono-Regular"/>
+              </a:rPr>
+              <a:t> </a:t>
+            </a:r>
+            <a:r>
+              <a:rPr lang="en-US" sz="2400" dirty="0">
+                <a:solidFill>
+                  <a:srgbClr val="C00000"/>
+                </a:solidFill>
+                <a:latin typeface="SFMono-Regular"/>
+              </a:rPr>
+              <a:t>Human</a:t>
+            </a:r>
+            <a:r>
+              <a:rPr lang="en-US" sz="2400" dirty="0">
+                <a:solidFill>
+                  <a:srgbClr val="383A42"/>
+                </a:solidFill>
+                <a:latin typeface="SFMono-Regular"/>
+              </a:rPr>
+              <a:t>(</a:t>
+            </a:r>
+            <a:r>
+              <a:rPr lang="en-US" sz="2400" dirty="0">
+                <a:solidFill>
+                  <a:srgbClr val="986801"/>
+                </a:solidFill>
+                <a:latin typeface="SFMono-Regular"/>
+              </a:rPr>
+              <a:t>String</a:t>
+            </a:r>
+            <a:r>
+              <a:rPr lang="en-US" sz="2400" dirty="0">
+                <a:solidFill>
+                  <a:srgbClr val="383A42"/>
+                </a:solidFill>
+                <a:latin typeface="SFMono-Regular"/>
+              </a:rPr>
+              <a:t> name, </a:t>
+            </a:r>
+            <a:r>
+              <a:rPr lang="en-US" sz="2400" dirty="0">
+                <a:solidFill>
+                  <a:srgbClr val="986801"/>
+                </a:solidFill>
+                <a:latin typeface="SFMono-Regular"/>
+              </a:rPr>
+              <a:t>int</a:t>
+            </a:r>
+            <a:r>
+              <a:rPr lang="en-US" sz="2400" dirty="0">
+                <a:solidFill>
+                  <a:srgbClr val="383A42"/>
+                </a:solidFill>
+                <a:latin typeface="SFMono-Regular"/>
+              </a:rPr>
+              <a:t> health) {</a:t>
+            </a:r>
+          </a:p>
+          <a:p>
+            <a:pPr>
+              <a:lnSpc>
+                <a:spcPct val="80000"/>
+              </a:lnSpc>
+            </a:pPr>
+            <a:r>
+              <a:rPr lang="en-US" sz="2400" dirty="0">
+                <a:solidFill>
+                  <a:srgbClr val="383A42"/>
+                </a:solidFill>
+                <a:latin typeface="SFMono-Regular"/>
+              </a:rPr>
+              <a:t>		super(name, health);</a:t>
+            </a:r>
+          </a:p>
+          <a:p>
+            <a:pPr>
+              <a:lnSpc>
+                <a:spcPct val="80000"/>
+              </a:lnSpc>
+            </a:pPr>
+            <a:r>
+              <a:rPr lang="en-US" sz="2400" dirty="0">
+                <a:solidFill>
+                  <a:srgbClr val="383A42"/>
+                </a:solidFill>
+                <a:latin typeface="SFMono-Regular"/>
+              </a:rPr>
+              <a:t>	}</a:t>
+            </a:r>
+            <a:endParaRPr lang="ru-RU" sz="2400" dirty="0">
+              <a:solidFill>
+                <a:srgbClr val="383A42"/>
+              </a:solidFill>
+              <a:latin typeface="SFMono-Regular"/>
+            </a:endParaRPr>
+          </a:p>
+          <a:p>
+            <a:pPr>
+              <a:lnSpc>
+                <a:spcPct val="80000"/>
+              </a:lnSpc>
+            </a:pPr>
+            <a:r>
+              <a:rPr lang="ru-RU" sz="2400" dirty="0">
+                <a:solidFill>
+                  <a:srgbClr val="A626A4"/>
+                </a:solidFill>
+                <a:latin typeface="SFMono-Regular"/>
+              </a:rPr>
+              <a:t>}</a:t>
+            </a:r>
+          </a:p>
+        </p:txBody>
+      </p:sp>
+    </p:spTree>
+    <p:extLst>
+      <p:ext uri="{BB962C8B-B14F-4D97-AF65-F5344CB8AC3E}">
+        <p14:creationId xmlns:p14="http://schemas.microsoft.com/office/powerpoint/2010/main" val="1238257399"/>
+      </p:ext>
+    </p:extLst>
+  </p:cSld>
+  <p:clrMapOvr>
+    <a:masterClrMapping/>
+  </p:clrMapOvr>
+</p:sld>
+</file>
+
 <file path=ppt/slides/slide2.xml><?xml version="1.0" encoding="utf-8"?>
 <p:sld xmlns:a="http://schemas.openxmlformats.org/drawingml/2006/main" xmlns:r="http://schemas.openxmlformats.org/officeDocument/2006/relationships" xmlns:p="http://schemas.openxmlformats.org/presentationml/2006/main">
   <p:cSld>
@@ -6210,8 +9746,8 @@
         </p:nvSpPr>
         <p:spPr>
           <a:xfrm>
-            <a:off x="1442620" y="761997"/>
-            <a:ext cx="4910218" cy="4148669"/>
+            <a:off x="1478130" y="758952"/>
+            <a:ext cx="4917251" cy="5572399"/>
           </a:xfrm>
           <a:prstGeom prst="rect">
             <a:avLst/>
@@ -6268,7 +9804,7 @@
         <p:spPr>
           <a:xfrm>
             <a:off x="1572612" y="934567"/>
-            <a:ext cx="5069895" cy="4236224"/>
+            <a:ext cx="5069895" cy="4827155"/>
           </a:xfrm>
           <a:prstGeom prst="rect">
             <a:avLst/>
@@ -6413,6 +9949,84 @@
               </a:rPr>
               <a:t>; </a:t>
             </a:r>
+          </a:p>
+          <a:p>
+            <a:pPr>
+              <a:lnSpc>
+                <a:spcPct val="80000"/>
+              </a:lnSpc>
+            </a:pPr>
+            <a:endParaRPr lang="en-US" sz="2400" i="1" dirty="0">
+              <a:solidFill>
+                <a:srgbClr val="A0A1A7"/>
+              </a:solidFill>
+              <a:latin typeface="SFMono-Regular"/>
+            </a:endParaRPr>
+          </a:p>
+          <a:p>
+            <a:pPr>
+              <a:lnSpc>
+                <a:spcPct val="80000"/>
+              </a:lnSpc>
+            </a:pPr>
+            <a:r>
+              <a:rPr lang="en-US" sz="2400" dirty="0">
+                <a:solidFill>
+                  <a:srgbClr val="986801"/>
+                </a:solidFill>
+                <a:latin typeface="SFMono-Regular"/>
+              </a:rPr>
+              <a:t>	public</a:t>
+            </a:r>
+            <a:r>
+              <a:rPr lang="en-US" sz="2400" dirty="0">
+                <a:solidFill>
+                  <a:srgbClr val="383A42"/>
+                </a:solidFill>
+                <a:latin typeface="SFMono-Regular"/>
+              </a:rPr>
+              <a:t> </a:t>
+            </a:r>
+            <a:r>
+              <a:rPr lang="en-US" sz="2400" dirty="0">
+                <a:solidFill>
+                  <a:srgbClr val="C00000"/>
+                </a:solidFill>
+                <a:latin typeface="SFMono-Regular"/>
+              </a:rPr>
+              <a:t>Unit</a:t>
+            </a:r>
+            <a:r>
+              <a:rPr lang="en-US" sz="2400" dirty="0">
+                <a:solidFill>
+                  <a:srgbClr val="383A42"/>
+                </a:solidFill>
+                <a:latin typeface="SFMono-Regular"/>
+              </a:rPr>
+              <a:t>() {</a:t>
+            </a:r>
+          </a:p>
+          <a:p>
+            <a:pPr>
+              <a:lnSpc>
+                <a:spcPct val="80000"/>
+              </a:lnSpc>
+            </a:pPr>
+            <a:r>
+              <a:rPr lang="en-US" sz="2400" dirty="0">
+                <a:solidFill>
+                  <a:srgbClr val="383A42"/>
+                </a:solidFill>
+                <a:latin typeface="SFMono-Regular"/>
+              </a:rPr>
+              <a:t>	}</a:t>
+            </a:r>
+            <a:endParaRPr lang="ru-RU" sz="2400" dirty="0">
+              <a:solidFill>
+                <a:srgbClr val="383A42"/>
+              </a:solidFill>
+              <a:latin typeface="SFMono-Regular"/>
+            </a:endParaRPr>
           </a:p>
           <a:p>
             <a:pPr>
@@ -8778,8 +12392,8 @@
         </p:nvSpPr>
         <p:spPr>
           <a:xfrm>
-            <a:off x="484633" y="372249"/>
-            <a:ext cx="5069895" cy="4236224"/>
+            <a:off x="425138" y="205859"/>
+            <a:ext cx="5069895" cy="4161780"/>
           </a:xfrm>
           <a:prstGeom prst="rect">
             <a:avLst/>
@@ -8797,7 +12411,7 @@
               </a:lnSpc>
             </a:pPr>
             <a:r>
-              <a:rPr lang="en-US" sz="2400" dirty="0">
+              <a:rPr lang="en-US" sz="2200" dirty="0">
                 <a:solidFill>
                   <a:srgbClr val="A626A4"/>
                 </a:solidFill>
@@ -8806,7 +12420,7 @@
               <a:t>public class</a:t>
             </a:r>
             <a:r>
-              <a:rPr lang="en-US" sz="2400" dirty="0">
+              <a:rPr lang="en-US" sz="2200" dirty="0">
                 <a:solidFill>
                   <a:srgbClr val="383A42"/>
                 </a:solidFill>
@@ -8815,7 +12429,7 @@
               <a:t> Unit</a:t>
             </a:r>
             <a:r>
-              <a:rPr lang="ru-RU" sz="2400" dirty="0">
+              <a:rPr lang="ru-RU" sz="2200" dirty="0">
                 <a:solidFill>
                   <a:srgbClr val="A626A4"/>
                 </a:solidFill>
@@ -8823,7 +12437,7 @@
               </a:rPr>
               <a:t> {</a:t>
             </a:r>
-            <a:endParaRPr lang="en-US" sz="2400" dirty="0">
+            <a:endParaRPr lang="en-US" sz="2200" dirty="0">
               <a:solidFill>
                 <a:srgbClr val="A626A4"/>
               </a:solidFill>
@@ -8837,7 +12451,7 @@
               </a:lnSpc>
             </a:pPr>
             <a:r>
-              <a:rPr lang="en-US" sz="2400" dirty="0">
+              <a:rPr lang="en-US" sz="2200" dirty="0">
                 <a:solidFill>
                   <a:srgbClr val="A626A4"/>
                 </a:solidFill>
@@ -8846,7 +12460,7 @@
               <a:t>	</a:t>
             </a:r>
             <a:r>
-              <a:rPr lang="en-US" sz="2400" dirty="0">
+              <a:rPr lang="en-US" sz="2200" dirty="0">
                 <a:solidFill>
                   <a:srgbClr val="986801"/>
                 </a:solidFill>
@@ -8855,7 +12469,7 @@
               <a:t>String</a:t>
             </a:r>
             <a:r>
-              <a:rPr lang="en-US" sz="2400" dirty="0">
+              <a:rPr lang="en-US" sz="2200" dirty="0">
                 <a:solidFill>
                   <a:srgbClr val="A626A4"/>
                 </a:solidFill>
@@ -8864,7 +12478,7 @@
               <a:t> </a:t>
             </a:r>
             <a:r>
-              <a:rPr lang="en-US" sz="2400" dirty="0">
+              <a:rPr lang="en-US" sz="2200" dirty="0">
                 <a:solidFill>
                   <a:srgbClr val="383A42"/>
                 </a:solidFill>
@@ -8873,7 +12487,7 @@
               <a:t>name;</a:t>
             </a:r>
             <a:r>
-              <a:rPr lang="ru-RU" sz="2400" dirty="0">
+              <a:rPr lang="ru-RU" sz="2200" dirty="0">
                 <a:solidFill>
                   <a:srgbClr val="383A42"/>
                 </a:solidFill>
@@ -8889,7 +12503,7 @@
               </a:lnSpc>
             </a:pPr>
             <a:r>
-              <a:rPr lang="ru-RU" sz="2400" dirty="0">
+              <a:rPr lang="ru-RU" sz="2200" dirty="0">
                 <a:solidFill>
                   <a:srgbClr val="383A42"/>
                 </a:solidFill>
@@ -8898,7 +12512,7 @@
               <a:t>	</a:t>
             </a:r>
             <a:r>
-              <a:rPr lang="en-US" sz="2400" dirty="0">
+              <a:rPr lang="en-US" sz="2200" dirty="0">
                 <a:solidFill>
                   <a:srgbClr val="986801"/>
                 </a:solidFill>
@@ -8907,7 +12521,7 @@
               <a:t>int </a:t>
             </a:r>
             <a:r>
-              <a:rPr lang="en-US" sz="2400" dirty="0">
+              <a:rPr lang="en-US" sz="2200" dirty="0">
                 <a:solidFill>
                   <a:srgbClr val="383A42"/>
                 </a:solidFill>
@@ -8916,7 +12530,7 @@
               <a:t>health</a:t>
             </a:r>
             <a:r>
-              <a:rPr lang="ru-RU" sz="2400" dirty="0">
+              <a:rPr lang="ru-RU" sz="2200" dirty="0">
                 <a:solidFill>
                   <a:srgbClr val="383A42"/>
                 </a:solidFill>
@@ -8931,7 +12545,7 @@
                 <a:spcPct val="80000"/>
               </a:lnSpc>
             </a:pPr>
-            <a:endParaRPr lang="ru-RU" sz="2400" i="1" dirty="0">
+            <a:endParaRPr lang="en-US" sz="2200" i="1" dirty="0">
               <a:solidFill>
                 <a:srgbClr val="A0A1A7"/>
               </a:solidFill>
@@ -8945,35 +12559,25 @@
               </a:lnSpc>
             </a:pPr>
             <a:r>
-              <a:rPr lang="en-US" sz="2400" dirty="0">
-                <a:solidFill>
-                  <a:srgbClr val="383A42"/>
-                </a:solidFill>
-                <a:latin typeface="SFMono-Regular"/>
-              </a:rPr>
-              <a:t>	</a:t>
-            </a:r>
-            <a:r>
-              <a:rPr lang="en-US" sz="2400" dirty="0">
+              <a:rPr lang="en-US" sz="2200" dirty="0">
                 <a:solidFill>
                   <a:srgbClr val="986801"/>
                 </a:solidFill>
                 <a:latin typeface="SFMono-Regular"/>
               </a:rPr>
-              <a:t>public</a:t>
-            </a:r>
-            <a:r>
-              <a:rPr lang="en-US" sz="2400" b="0" i="0" dirty="0">
-                <a:solidFill>
-                  <a:srgbClr val="383A42"/>
-                </a:solidFill>
-                <a:effectLst/>
+              <a:t>	public</a:t>
+            </a:r>
+            <a:r>
+              <a:rPr lang="en-US" sz="2200" dirty="0">
+                <a:solidFill>
+                  <a:srgbClr val="383A42"/>
+                </a:solidFill>
                 <a:latin typeface="SFMono-Regular"/>
               </a:rPr>
               <a:t> </a:t>
             </a:r>
             <a:r>
-              <a:rPr lang="en-US" sz="2400" dirty="0">
+              <a:rPr lang="en-US" sz="2200" dirty="0">
                 <a:solidFill>
                   <a:srgbClr val="C00000"/>
                 </a:solidFill>
@@ -8982,53 +12586,20 @@
               <a:t>Unit</a:t>
             </a:r>
             <a:r>
-              <a:rPr lang="en-US" sz="2400" b="0" i="0" dirty="0">
-                <a:solidFill>
-                  <a:srgbClr val="383A42"/>
-                </a:solidFill>
-                <a:effectLst/>
-                <a:latin typeface="SFMono-Regular"/>
-              </a:rPr>
-              <a:t>(</a:t>
-            </a:r>
-            <a:r>
-              <a:rPr lang="en-US" sz="2400" dirty="0">
-                <a:solidFill>
-                  <a:srgbClr val="986801"/>
-                </a:solidFill>
-                <a:latin typeface="SFMono-Regular"/>
-              </a:rPr>
-              <a:t>String</a:t>
-            </a:r>
-            <a:r>
-              <a:rPr lang="en-US" sz="2400" b="0" i="0" dirty="0">
-                <a:solidFill>
-                  <a:srgbClr val="383A42"/>
-                </a:solidFill>
-                <a:effectLst/>
-                <a:latin typeface="SFMono-Regular"/>
-              </a:rPr>
-              <a:t> n, </a:t>
-            </a:r>
-            <a:r>
-              <a:rPr lang="en-US" sz="2400" dirty="0">
-                <a:solidFill>
-                  <a:srgbClr val="986801"/>
-                </a:solidFill>
-                <a:latin typeface="SFMono-Regular"/>
-              </a:rPr>
-              <a:t>int</a:t>
-            </a:r>
-            <a:r>
-              <a:rPr lang="en-US" sz="2400" b="0" i="0" dirty="0">
-                <a:solidFill>
-                  <a:srgbClr val="383A42"/>
-                </a:solidFill>
-                <a:effectLst/>
-                <a:latin typeface="SFMono-Regular"/>
-              </a:rPr>
-              <a:t> h) {</a:t>
-            </a:r>
+              <a:rPr lang="en-US" sz="2200" dirty="0">
+                <a:solidFill>
+                  <a:srgbClr val="383A42"/>
+                </a:solidFill>
+                <a:latin typeface="SFMono-Regular"/>
+              </a:rPr>
+              <a:t>() {	}</a:t>
+            </a:r>
+            <a:endParaRPr lang="ru-RU" sz="2200" dirty="0">
+              <a:solidFill>
+                <a:srgbClr val="383A42"/>
+              </a:solidFill>
+              <a:latin typeface="SFMono-Regular"/>
+            </a:endParaRPr>
           </a:p>
           <a:p>
             <a:pPr>
@@ -9036,25 +12607,12 @@
                 <a:spcPct val="80000"/>
               </a:lnSpc>
             </a:pPr>
-            <a:r>
-              <a:rPr lang="en-US" sz="2400" dirty="0">
-                <a:solidFill>
-                  <a:srgbClr val="383A42"/>
-                </a:solidFill>
-                <a:latin typeface="SFMono-Regular"/>
-              </a:rPr>
-              <a:t>		</a:t>
-            </a:r>
-            <a:r>
-              <a:rPr lang="en-US" sz="2400" b="0" i="0" dirty="0">
-                <a:solidFill>
-                  <a:srgbClr val="383A42"/>
-                </a:solidFill>
-                <a:effectLst/>
-                <a:latin typeface="SFMono-Regular"/>
-              </a:rPr>
-              <a:t>name = n;</a:t>
-            </a:r>
+            <a:endParaRPr lang="ru-RU" sz="2200" i="1" dirty="0">
+              <a:solidFill>
+                <a:srgbClr val="A0A1A7"/>
+              </a:solidFill>
+              <a:latin typeface="SFMono-Regular"/>
+            </a:endParaRPr>
           </a:p>
           <a:p>
             <a:pPr>
@@ -9063,23 +12621,89 @@
               </a:lnSpc>
             </a:pPr>
             <a:r>
-              <a:rPr lang="en-US" sz="2400" dirty="0">
-                <a:solidFill>
-                  <a:srgbClr val="383A42"/>
-                </a:solidFill>
-                <a:latin typeface="SFMono-Regular"/>
-              </a:rPr>
-              <a:t>		</a:t>
-            </a:r>
-            <a:r>
-              <a:rPr lang="en-US" sz="2400" b="0" i="0" dirty="0">
+              <a:rPr lang="en-US" sz="2200" dirty="0">
+                <a:solidFill>
+                  <a:srgbClr val="383A42"/>
+                </a:solidFill>
+                <a:latin typeface="SFMono-Regular"/>
+              </a:rPr>
+              <a:t>	</a:t>
+            </a:r>
+            <a:r>
+              <a:rPr lang="en-US" sz="2200" dirty="0">
+                <a:solidFill>
+                  <a:srgbClr val="986801"/>
+                </a:solidFill>
+                <a:latin typeface="SFMono-Regular"/>
+              </a:rPr>
+              <a:t>public</a:t>
+            </a:r>
+            <a:r>
+              <a:rPr lang="en-US" sz="2200" b="0" i="0" dirty="0">
                 <a:solidFill>
                   <a:srgbClr val="383A42"/>
                 </a:solidFill>
                 <a:effectLst/>
                 <a:latin typeface="SFMono-Regular"/>
               </a:rPr>
-              <a:t>health = h; </a:t>
+              <a:t> </a:t>
+            </a:r>
+            <a:r>
+              <a:rPr lang="en-US" sz="2200" dirty="0">
+                <a:solidFill>
+                  <a:srgbClr val="C00000"/>
+                </a:solidFill>
+                <a:latin typeface="SFMono-Regular"/>
+              </a:rPr>
+              <a:t>Unit</a:t>
+            </a:r>
+            <a:r>
+              <a:rPr lang="en-US" sz="2200" b="0" i="0" dirty="0">
+                <a:solidFill>
+                  <a:srgbClr val="383A42"/>
+                </a:solidFill>
+                <a:effectLst/>
+                <a:latin typeface="SFMono-Regular"/>
+              </a:rPr>
+              <a:t>(</a:t>
+            </a:r>
+            <a:r>
+              <a:rPr lang="en-US" sz="2200" dirty="0">
+                <a:solidFill>
+                  <a:srgbClr val="986801"/>
+                </a:solidFill>
+                <a:latin typeface="SFMono-Regular"/>
+              </a:rPr>
+              <a:t>String</a:t>
+            </a:r>
+            <a:r>
+              <a:rPr lang="en-US" sz="2200" b="0" i="0" dirty="0">
+                <a:solidFill>
+                  <a:srgbClr val="383A42"/>
+                </a:solidFill>
+                <a:effectLst/>
+                <a:latin typeface="SFMono-Regular"/>
+              </a:rPr>
+              <a:t> n, </a:t>
+            </a:r>
+            <a:r>
+              <a:rPr lang="en-US" sz="2200" dirty="0">
+                <a:solidFill>
+                  <a:srgbClr val="986801"/>
+                </a:solidFill>
+                <a:latin typeface="SFMono-Regular"/>
+              </a:rPr>
+              <a:t>int</a:t>
+            </a:r>
+            <a:r>
+              <a:rPr lang="en-US" sz="2200" b="0" i="0" dirty="0">
+                <a:solidFill>
+                  <a:srgbClr val="383A42"/>
+                </a:solidFill>
+                <a:effectLst/>
+                <a:latin typeface="SFMono-Regular"/>
+              </a:rPr>
+              <a:t> h) {</a:t>
             </a:r>
           </a:p>
           <a:p>
@@ -9089,7 +12713,59 @@
               </a:lnSpc>
             </a:pPr>
             <a:r>
-              <a:rPr lang="en-US" sz="2400" dirty="0">
+              <a:rPr lang="en-US" sz="2200" dirty="0">
+                <a:solidFill>
+                  <a:srgbClr val="383A42"/>
+                </a:solidFill>
+                <a:latin typeface="SFMono-Regular"/>
+              </a:rPr>
+              <a:t>		</a:t>
+            </a:r>
+            <a:r>
+              <a:rPr lang="en-US" sz="2200" b="0" i="0" dirty="0">
+                <a:solidFill>
+                  <a:srgbClr val="383A42"/>
+                </a:solidFill>
+                <a:effectLst/>
+                <a:latin typeface="SFMono-Regular"/>
+              </a:rPr>
+              <a:t>name = n;</a:t>
+            </a:r>
+          </a:p>
+          <a:p>
+            <a:pPr>
+              <a:lnSpc>
+                <a:spcPct val="80000"/>
+              </a:lnSpc>
+            </a:pPr>
+            <a:r>
+              <a:rPr lang="en-US" sz="2200" dirty="0">
+                <a:solidFill>
+                  <a:srgbClr val="383A42"/>
+                </a:solidFill>
+                <a:latin typeface="SFMono-Regular"/>
+              </a:rPr>
+              <a:t>		</a:t>
+            </a:r>
+            <a:r>
+              <a:rPr lang="en-US" sz="2200" b="0" i="0" dirty="0">
+                <a:solidFill>
+                  <a:srgbClr val="383A42"/>
+                </a:solidFill>
+                <a:effectLst/>
+                <a:latin typeface="SFMono-Regular"/>
+              </a:rPr>
+              <a:t>health = h; </a:t>
+            </a:r>
+          </a:p>
+          <a:p>
+            <a:pPr>
+              <a:lnSpc>
+                <a:spcPct val="80000"/>
+              </a:lnSpc>
+            </a:pPr>
+            <a:r>
+              <a:rPr lang="en-US" sz="2200" dirty="0">
                 <a:solidFill>
                   <a:srgbClr val="383A42"/>
                 </a:solidFill>
@@ -9098,7 +12774,7 @@
               <a:t>	</a:t>
             </a:r>
             <a:r>
-              <a:rPr lang="en-US" sz="2400" b="0" i="0" dirty="0">
+              <a:rPr lang="en-US" sz="2200" b="0" i="0" dirty="0">
                 <a:solidFill>
                   <a:srgbClr val="383A42"/>
                 </a:solidFill>
@@ -9107,7 +12783,7 @@
               </a:rPr>
               <a:t>}</a:t>
             </a:r>
-            <a:endParaRPr lang="ru-RU" sz="2400" b="0" i="0" dirty="0">
+            <a:endParaRPr lang="ru-RU" sz="2200" b="0" i="0" dirty="0">
               <a:solidFill>
                 <a:srgbClr val="383A42"/>
               </a:solidFill>
@@ -9121,7 +12797,7 @@
                 <a:spcPct val="80000"/>
               </a:lnSpc>
             </a:pPr>
-            <a:endParaRPr lang="ru-RU" sz="2400" i="1" dirty="0">
+            <a:endParaRPr lang="ru-RU" sz="2200" i="1" dirty="0">
               <a:solidFill>
                 <a:srgbClr val="A0A1A7"/>
               </a:solidFill>
@@ -9135,7 +12811,7 @@
               </a:lnSpc>
             </a:pPr>
             <a:r>
-              <a:rPr lang="ru-RU" sz="2400" dirty="0">
+              <a:rPr lang="ru-RU" sz="2200" dirty="0">
                 <a:solidFill>
                   <a:srgbClr val="383A42"/>
                 </a:solidFill>
@@ -9144,7 +12820,7 @@
               <a:t>	</a:t>
             </a:r>
             <a:r>
-              <a:rPr lang="ru-RU" altLang="ru-RU" sz="2400" dirty="0" err="1">
+              <a:rPr lang="ru-RU" altLang="ru-RU" sz="2200" dirty="0" err="1">
                 <a:solidFill>
                   <a:srgbClr val="986801"/>
                 </a:solidFill>
@@ -9153,7 +12829,7 @@
               <a:t>void</a:t>
             </a:r>
             <a:r>
-              <a:rPr lang="ru-RU" altLang="ru-RU" sz="2400" dirty="0">
+              <a:rPr lang="ru-RU" altLang="ru-RU" sz="2200" dirty="0">
                 <a:solidFill>
                   <a:srgbClr val="986801"/>
                 </a:solidFill>
@@ -9162,7 +12838,7 @@
               <a:t> </a:t>
             </a:r>
             <a:r>
-              <a:rPr lang="ru-RU" altLang="ru-RU" sz="2400" dirty="0" err="1">
+              <a:rPr lang="ru-RU" altLang="ru-RU" sz="2200" dirty="0" err="1">
                 <a:solidFill>
                   <a:srgbClr val="C00000"/>
                 </a:solidFill>
@@ -9171,7 +12847,7 @@
               <a:t>printInfo</a:t>
             </a:r>
             <a:r>
-              <a:rPr lang="ru-RU" altLang="ru-RU" sz="2400" dirty="0">
+              <a:rPr lang="ru-RU" altLang="ru-RU" sz="2200" dirty="0">
                 <a:solidFill>
                   <a:srgbClr val="986801"/>
                 </a:solidFill>
@@ -9180,7 +12856,7 @@
               <a:t> </a:t>
             </a:r>
             <a:r>
-              <a:rPr lang="ru-RU" altLang="ru-RU" sz="2400" dirty="0">
+              <a:rPr lang="ru-RU" altLang="ru-RU" sz="2200" dirty="0">
                 <a:solidFill>
                   <a:srgbClr val="383A42"/>
                 </a:solidFill>
@@ -9189,7 +12865,7 @@
               <a:t>() {</a:t>
             </a:r>
             <a:br>
-              <a:rPr lang="ru-RU" altLang="ru-RU" sz="2400" dirty="0">
+              <a:rPr lang="ru-RU" altLang="ru-RU" sz="2200" dirty="0">
                 <a:solidFill>
                   <a:srgbClr val="383A42"/>
                 </a:solidFill>
@@ -9197,7 +12873,7 @@
               </a:rPr>
             </a:br>
             <a:r>
-              <a:rPr lang="ru-RU" altLang="ru-RU" sz="2400" dirty="0">
+              <a:rPr lang="ru-RU" altLang="ru-RU" sz="2200" dirty="0">
                 <a:solidFill>
                   <a:srgbClr val="383A42"/>
                 </a:solidFill>
@@ -9206,7 +12882,7 @@
               <a:t>    </a:t>
             </a:r>
             <a:r>
-              <a:rPr lang="en-US" altLang="ru-RU" sz="2400" dirty="0">
+              <a:rPr lang="en-US" altLang="ru-RU" sz="2200" dirty="0">
                 <a:solidFill>
                   <a:srgbClr val="383A42"/>
                 </a:solidFill>
@@ -9215,7 +12891,7 @@
               <a:t>		</a:t>
             </a:r>
             <a:r>
-              <a:rPr lang="en-US" altLang="ru-RU" sz="2400" dirty="0" err="1">
+              <a:rPr lang="en-US" altLang="ru-RU" sz="2200" dirty="0" err="1">
                 <a:solidFill>
                   <a:srgbClr val="383A42"/>
                 </a:solidFill>
@@ -9224,7 +12900,7 @@
               <a:t>Log.i</a:t>
             </a:r>
             <a:r>
-              <a:rPr lang="ru-RU" altLang="ru-RU" sz="2400" dirty="0">
+              <a:rPr lang="ru-RU" altLang="ru-RU" sz="2200" dirty="0">
                 <a:solidFill>
                   <a:srgbClr val="383A42"/>
                 </a:solidFill>
@@ -9233,7 +12909,7 @@
               <a:t>("</a:t>
             </a:r>
             <a:r>
-              <a:rPr lang="en-US" altLang="ru-RU" sz="2400" dirty="0">
+              <a:rPr lang="en-US" altLang="ru-RU" sz="2200" dirty="0">
                 <a:solidFill>
                   <a:srgbClr val="383A42"/>
                 </a:solidFill>
@@ -9242,7 +12918,7 @@
               <a:t>Test</a:t>
             </a:r>
             <a:r>
-              <a:rPr lang="ru-RU" altLang="ru-RU" sz="2400" dirty="0">
+              <a:rPr lang="ru-RU" altLang="ru-RU" sz="2200" dirty="0">
                 <a:solidFill>
                   <a:srgbClr val="383A42"/>
                 </a:solidFill>
@@ -9251,7 +12927,7 @@
               <a:t>"</a:t>
             </a:r>
             <a:r>
-              <a:rPr lang="en-US" altLang="ru-RU" sz="2400" dirty="0">
+              <a:rPr lang="en-US" altLang="ru-RU" sz="2200" dirty="0">
                 <a:solidFill>
                   <a:srgbClr val="383A42"/>
                 </a:solidFill>
@@ -9260,7 +12936,7 @@
               <a:t>, </a:t>
             </a:r>
             <a:r>
-              <a:rPr lang="ru-RU" altLang="ru-RU" sz="2400" dirty="0">
+              <a:rPr lang="ru-RU" altLang="ru-RU" sz="2200" dirty="0">
                 <a:solidFill>
                   <a:srgbClr val="383A42"/>
                 </a:solidFill>
@@ -9269,7 +12945,7 @@
               <a:t>"</a:t>
             </a:r>
             <a:r>
-              <a:rPr lang="ru-RU" altLang="ru-RU" sz="2400" dirty="0" err="1">
+              <a:rPr lang="ru-RU" altLang="ru-RU" sz="2200" dirty="0" err="1">
                 <a:solidFill>
                   <a:srgbClr val="383A42"/>
                 </a:solidFill>
@@ -9278,7 +12954,7 @@
               <a:t>Unit</a:t>
             </a:r>
             <a:r>
-              <a:rPr lang="ru-RU" altLang="ru-RU" sz="2400" dirty="0">
+              <a:rPr lang="ru-RU" altLang="ru-RU" sz="2200" dirty="0">
                 <a:solidFill>
                   <a:srgbClr val="383A42"/>
                 </a:solidFill>
@@ -9287,7 +12963,7 @@
               <a:t> " + </a:t>
             </a:r>
             <a:r>
-              <a:rPr lang="ru-RU" altLang="ru-RU" sz="2400" dirty="0" err="1">
+              <a:rPr lang="ru-RU" altLang="ru-RU" sz="2200" dirty="0" err="1">
                 <a:solidFill>
                   <a:srgbClr val="383A42"/>
                 </a:solidFill>
@@ -9296,7 +12972,7 @@
               <a:t>name</a:t>
             </a:r>
             <a:r>
-              <a:rPr lang="ru-RU" altLang="ru-RU" sz="2400" dirty="0">
+              <a:rPr lang="ru-RU" altLang="ru-RU" sz="2200" dirty="0">
                 <a:solidFill>
                   <a:srgbClr val="383A42"/>
                 </a:solidFill>
@@ -9305,7 +12981,7 @@
               <a:t>);</a:t>
             </a:r>
             <a:br>
-              <a:rPr lang="ru-RU" altLang="ru-RU" sz="2400" dirty="0">
+              <a:rPr lang="ru-RU" altLang="ru-RU" sz="2200" dirty="0">
                 <a:solidFill>
                   <a:srgbClr val="383A42"/>
                 </a:solidFill>
@@ -9313,7 +12989,7 @@
               </a:rPr>
             </a:br>
             <a:r>
-              <a:rPr lang="en-US" altLang="ru-RU" sz="2400" dirty="0">
+              <a:rPr lang="en-US" altLang="ru-RU" sz="2200" dirty="0">
                 <a:solidFill>
                   <a:srgbClr val="383A42"/>
                 </a:solidFill>
@@ -9322,7 +12998,7 @@
               <a:t>	</a:t>
             </a:r>
             <a:r>
-              <a:rPr lang="ru-RU" altLang="ru-RU" sz="2400" dirty="0">
+              <a:rPr lang="ru-RU" altLang="ru-RU" sz="2200" dirty="0">
                 <a:solidFill>
                   <a:srgbClr val="383A42"/>
                 </a:solidFill>
@@ -9338,7 +13014,7 @@
               </a:lnSpc>
             </a:pPr>
             <a:r>
-              <a:rPr lang="ru-RU" sz="2400" dirty="0">
+              <a:rPr lang="ru-RU" sz="2200" dirty="0">
                 <a:solidFill>
                   <a:srgbClr val="A626A4"/>
                 </a:solidFill>
@@ -10947,6 +14623,545 @@
     <p:extLst>
       <p:ext uri="{BB962C8B-B14F-4D97-AF65-F5344CB8AC3E}">
         <p14:creationId xmlns:p14="http://schemas.microsoft.com/office/powerpoint/2010/main" val="3326953627"/>
+      </p:ext>
+    </p:extLst>
+  </p:cSld>
+  <p:clrMapOvr>
+    <a:masterClrMapping/>
+  </p:clrMapOvr>
+</p:sld>
+</file>
+
+<file path=ppt/slides/slide9.xml><?xml version="1.0" encoding="utf-8"?>
+<p:sld xmlns:a="http://schemas.openxmlformats.org/drawingml/2006/main" xmlns:r="http://schemas.openxmlformats.org/officeDocument/2006/relationships" xmlns:p="http://schemas.openxmlformats.org/presentationml/2006/main">
+  <p:cSld>
+    <p:bg>
+      <p:bgPr>
+        <a:solidFill>
+          <a:schemeClr val="bg1"/>
+        </a:solidFill>
+        <a:effectLst/>
+      </p:bgPr>
+    </p:bg>
+    <p:spTree>
+      <p:nvGrpSpPr>
+        <p:cNvPr id="1" name=""/>
+        <p:cNvGrpSpPr/>
+        <p:nvPr/>
+      </p:nvGrpSpPr>
+      <p:grpSpPr>
+        <a:xfrm>
+          <a:off x="0" y="0"/>
+          <a:ext cx="0" cy="0"/>
+          <a:chOff x="0" y="0"/>
+          <a:chExt cx="0" cy="0"/>
+        </a:xfrm>
+      </p:grpSpPr>
+      <p:sp useBgFill="1">
+        <p:nvSpPr>
+          <p:cNvPr id="135" name="Rectangle 134">
+            <a:extLst>
+              <a:ext uri="{FF2B5EF4-FFF2-40B4-BE49-F238E27FC236}">
+                <a16:creationId xmlns:a16="http://schemas.microsoft.com/office/drawing/2014/main" id="{9203ABB4-7E2A-4248-9FE7-4A419AFF2F17}"/>
+              </a:ext>
+              <a:ext uri="{C183D7F6-B498-43B3-948B-1728B52AA6E4}">
+                <adec:decorative xmlns:adec="http://schemas.microsoft.com/office/drawing/2017/decorative" val="1"/>
+              </a:ext>
+            </a:extLst>
+          </p:cNvPr>
+          <p:cNvSpPr>
+            <a:spLocks noGrp="1" noRot="1" noChangeAspect="1" noMove="1" noResize="1" noEditPoints="1" noAdjustHandles="1" noChangeArrowheads="1" noChangeShapeType="1" noTextEdit="1"/>
+          </p:cNvSpPr>
+          <p:nvPr>
+            <p:extLst>
+              <p:ext uri="{386F3935-93C4-4BCD-93E2-E3B085C9AB24}">
+                <p16:designElem xmlns:p16="http://schemas.microsoft.com/office/powerpoint/2015/main" val="1"/>
+              </p:ext>
+            </p:extLst>
+          </p:nvPr>
+        </p:nvSpPr>
+        <p:spPr>
+          <a:xfrm>
+            <a:off x="0" y="0"/>
+            <a:ext cx="12191999" cy="6858000"/>
+          </a:xfrm>
+          <a:prstGeom prst="rect">
+            <a:avLst/>
+          </a:prstGeom>
+          <a:ln>
+            <a:noFill/>
+          </a:ln>
+        </p:spPr>
+        <p:style>
+          <a:lnRef idx="2">
+            <a:schemeClr val="accent1">
+              <a:shade val="50000"/>
+            </a:schemeClr>
+          </a:lnRef>
+          <a:fillRef idx="1">
+            <a:schemeClr val="accent1"/>
+          </a:fillRef>
+          <a:effectRef idx="0">
+            <a:schemeClr val="accent1"/>
+          </a:effectRef>
+          <a:fontRef idx="minor">
+            <a:schemeClr val="lt1"/>
+          </a:fontRef>
+        </p:style>
+        <p:txBody>
+          <a:bodyPr rtlCol="0" anchor="ctr"/>
+          <a:lstStyle/>
+          <a:p>
+            <a:pPr marL="0" marR="0" lvl="0" indent="0" algn="ctr" defTabSz="457200" rtl="0" eaLnBrk="1" fontAlgn="auto" latinLnBrk="0" hangingPunct="1">
+              <a:lnSpc>
+                <a:spcPct val="100000"/>
+              </a:lnSpc>
+              <a:spcBef>
+                <a:spcPts val="0"/>
+              </a:spcBef>
+              <a:spcAft>
+                <a:spcPts val="0"/>
+              </a:spcAft>
+              <a:buClrTx/>
+              <a:buSzTx/>
+              <a:buFontTx/>
+              <a:buNone/>
+              <a:tabLst/>
+              <a:defRPr/>
+            </a:pPr>
+            <a:endParaRPr kumimoji="0" lang="en-US" sz="1800" b="0" i="0" u="none" strike="noStrike" kern="1200" cap="none" spc="0" normalizeH="0" baseline="0" noProof="0">
+              <a:ln>
+                <a:noFill/>
+              </a:ln>
+              <a:solidFill>
+                <a:srgbClr val="FFFFFF"/>
+              </a:solidFill>
+              <a:effectLst/>
+              <a:uLnTx/>
+              <a:uFillTx/>
+              <a:latin typeface="Corbel" panose="020B0503020204020204"/>
+              <a:ea typeface="+mn-ea"/>
+              <a:cs typeface="+mn-cs"/>
+            </a:endParaRPr>
+          </a:p>
+        </p:txBody>
+      </p:sp>
+      <p:sp>
+        <p:nvSpPr>
+          <p:cNvPr id="137" name="Rectangle 136">
+            <a:extLst>
+              <a:ext uri="{FF2B5EF4-FFF2-40B4-BE49-F238E27FC236}">
+                <a16:creationId xmlns:a16="http://schemas.microsoft.com/office/drawing/2014/main" id="{3126970D-C1E5-4FB1-84E8-86CB9CED1C80}"/>
+              </a:ext>
+              <a:ext uri="{C183D7F6-B498-43B3-948B-1728B52AA6E4}">
+                <adec:decorative xmlns:adec="http://schemas.microsoft.com/office/drawing/2017/decorative" val="1"/>
+              </a:ext>
+            </a:extLst>
+          </p:cNvPr>
+          <p:cNvSpPr>
+            <a:spLocks noGrp="1" noRot="1" noChangeAspect="1" noMove="1" noResize="1" noEditPoints="1" noAdjustHandles="1" noChangeArrowheads="1" noChangeShapeType="1" noTextEdit="1"/>
+          </p:cNvSpPr>
+          <p:nvPr>
+            <p:extLst>
+              <p:ext uri="{386F3935-93C4-4BCD-93E2-E3B085C9AB24}">
+                <p16:designElem xmlns:p16="http://schemas.microsoft.com/office/powerpoint/2015/main" val="1"/>
+              </p:ext>
+            </p:extLst>
+          </p:nvPr>
+        </p:nvSpPr>
+        <p:spPr>
+          <a:xfrm>
+            <a:off x="0" y="4367639"/>
+            <a:ext cx="11707367" cy="1852186"/>
+          </a:xfrm>
+          <a:prstGeom prst="rect">
+            <a:avLst/>
+          </a:prstGeom>
+          <a:solidFill>
+            <a:schemeClr val="accent1"/>
+          </a:solidFill>
+          <a:ln>
+            <a:noFill/>
+          </a:ln>
+        </p:spPr>
+        <p:style>
+          <a:lnRef idx="2">
+            <a:schemeClr val="accent1">
+              <a:shade val="50000"/>
+            </a:schemeClr>
+          </a:lnRef>
+          <a:fillRef idx="1">
+            <a:schemeClr val="accent1"/>
+          </a:fillRef>
+          <a:effectRef idx="0">
+            <a:schemeClr val="accent1"/>
+          </a:effectRef>
+          <a:fontRef idx="minor">
+            <a:schemeClr val="lt1"/>
+          </a:fontRef>
+        </p:style>
+      </p:sp>
+      <p:sp>
+        <p:nvSpPr>
+          <p:cNvPr id="28" name="Заголовок 1">
+            <a:extLst>
+              <a:ext uri="{FF2B5EF4-FFF2-40B4-BE49-F238E27FC236}">
+                <a16:creationId xmlns:a16="http://schemas.microsoft.com/office/drawing/2014/main" id="{A1800B60-BA5D-4BD9-AAE0-43620F882506}"/>
+              </a:ext>
+            </a:extLst>
+          </p:cNvPr>
+          <p:cNvSpPr txBox="1">
+            <a:spLocks/>
+          </p:cNvSpPr>
+          <p:nvPr/>
+        </p:nvSpPr>
+        <p:spPr>
+          <a:xfrm>
+            <a:off x="274718" y="4690051"/>
+            <a:ext cx="10210862" cy="1293305"/>
+          </a:xfrm>
+          <a:prstGeom prst="rect">
+            <a:avLst/>
+          </a:prstGeom>
+        </p:spPr>
+        <p:txBody>
+          <a:bodyPr vert="horz" lIns="91440" tIns="45720" rIns="91440" bIns="45720" rtlCol="0" anchor="b">
+            <a:normAutofit/>
+          </a:bodyPr>
+          <a:lstStyle>
+            <a:lvl1pPr algn="l" defTabSz="914400" rtl="0" eaLnBrk="1" latinLnBrk="0" hangingPunct="1">
+              <a:lnSpc>
+                <a:spcPct val="90000"/>
+              </a:lnSpc>
+              <a:spcBef>
+                <a:spcPct val="0"/>
+              </a:spcBef>
+              <a:buNone/>
+              <a:defRPr sz="5900" kern="1200" spc="-100" baseline="0">
+                <a:solidFill>
+                  <a:srgbClr val="FFFFFF"/>
+                </a:solidFill>
+                <a:latin typeface="+mj-lt"/>
+                <a:ea typeface="+mj-ea"/>
+                <a:cs typeface="+mj-cs"/>
+              </a:defRPr>
+            </a:lvl1pPr>
+          </a:lstStyle>
+          <a:p>
+            <a:pPr marL="0" marR="0" lvl="0" indent="0" algn="l" defTabSz="914400" rtl="0" eaLnBrk="1" fontAlgn="auto" latinLnBrk="0" hangingPunct="1">
+              <a:lnSpc>
+                <a:spcPct val="90000"/>
+              </a:lnSpc>
+              <a:spcBef>
+                <a:spcPct val="0"/>
+              </a:spcBef>
+              <a:spcAft>
+                <a:spcPts val="600"/>
+              </a:spcAft>
+              <a:buClr>
+                <a:srgbClr val="40BAD2"/>
+              </a:buClr>
+              <a:buSzTx/>
+              <a:buFontTx/>
+              <a:buNone/>
+              <a:tabLst/>
+              <a:defRPr/>
+            </a:pPr>
+            <a:r>
+              <a:rPr lang="ru-RU" sz="3200" b="1" dirty="0">
+                <a:latin typeface="Corbel" panose="020B0503020204020204"/>
+              </a:rPr>
+              <a:t>Ключевые слова </a:t>
+            </a:r>
+            <a:r>
+              <a:rPr lang="en-US" sz="3200" b="1" dirty="0">
+                <a:latin typeface="Corbel" panose="020B0503020204020204"/>
+              </a:rPr>
+              <a:t>this</a:t>
+            </a:r>
+            <a:r>
+              <a:rPr lang="ru-RU" sz="3200" b="1" dirty="0">
+                <a:latin typeface="Corbel" panose="020B0503020204020204"/>
+              </a:rPr>
+              <a:t> и </a:t>
+            </a:r>
+            <a:r>
+              <a:rPr lang="en-US" sz="3200" b="1" dirty="0">
+                <a:latin typeface="Corbel" panose="020B0503020204020204"/>
+              </a:rPr>
+              <a:t>super</a:t>
+            </a:r>
+            <a:br>
+              <a:rPr kumimoji="0" lang="en-US" sz="3200" b="1" i="0" u="none" strike="noStrike" kern="1200" cap="none" spc="-100" normalizeH="0" baseline="0" noProof="0" dirty="0">
+                <a:ln>
+                  <a:noFill/>
+                </a:ln>
+                <a:solidFill>
+                  <a:srgbClr val="FFFFFF"/>
+                </a:solidFill>
+                <a:effectLst/>
+                <a:uLnTx/>
+                <a:uFillTx/>
+                <a:latin typeface="Corbel" panose="020B0503020204020204"/>
+                <a:ea typeface="+mj-ea"/>
+                <a:cs typeface="+mj-cs"/>
+              </a:rPr>
+            </a:br>
+            <a:endParaRPr kumimoji="0" lang="en-US" sz="3200" b="1" i="0" u="none" strike="noStrike" kern="1200" cap="none" spc="-100" normalizeH="0" baseline="0" noProof="0" dirty="0">
+              <a:ln>
+                <a:noFill/>
+              </a:ln>
+              <a:solidFill>
+                <a:srgbClr val="FFFFFF"/>
+              </a:solidFill>
+              <a:effectLst/>
+              <a:uLnTx/>
+              <a:uFillTx/>
+              <a:latin typeface="Corbel" panose="020B0503020204020204"/>
+              <a:ea typeface="+mj-ea"/>
+              <a:cs typeface="+mj-cs"/>
+            </a:endParaRPr>
+          </a:p>
+        </p:txBody>
+      </p:sp>
+      <p:pic>
+        <p:nvPicPr>
+          <p:cNvPr id="1028" name="Picture 4" descr="Новый Персонаж/Неизвестный Персонаж">
+            <a:extLst>
+              <a:ext uri="{FF2B5EF4-FFF2-40B4-BE49-F238E27FC236}">
+                <a16:creationId xmlns:a16="http://schemas.microsoft.com/office/drawing/2014/main" id="{C5F0FBA6-FD94-4B17-987B-0262BD943004}"/>
+              </a:ext>
+            </a:extLst>
+          </p:cNvPr>
+          <p:cNvPicPr>
+            <a:picLocks noChangeAspect="1" noChangeArrowheads="1"/>
+          </p:cNvPicPr>
+          <p:nvPr/>
+        </p:nvPicPr>
+        <p:blipFill>
+          <a:blip r:embed="rId2">
+            <a:extLst>
+              <a:ext uri="{28A0092B-C50C-407E-A947-70E740481C1C}">
+                <a14:useLocalDpi xmlns:a14="http://schemas.microsoft.com/office/drawing/2010/main" val="0"/>
+              </a:ext>
+            </a:extLst>
+          </a:blip>
+          <a:srcRect/>
+          <a:stretch>
+            <a:fillRect/>
+          </a:stretch>
+        </p:blipFill>
+        <p:spPr bwMode="auto">
+          <a:xfrm>
+            <a:off x="2770662" y="575290"/>
+            <a:ext cx="1778027" cy="2767055"/>
+          </a:xfrm>
+          <a:prstGeom prst="rect">
+            <a:avLst/>
+          </a:prstGeom>
+          <a:noFill/>
+          <a:extLst>
+            <a:ext uri="{909E8E84-426E-40DD-AFC4-6F175D3DCCD1}">
+              <a14:hiddenFill xmlns:a14="http://schemas.microsoft.com/office/drawing/2010/main">
+                <a:solidFill>
+                  <a:srgbClr val="FFFFFF"/>
+                </a:solidFill>
+              </a14:hiddenFill>
+            </a:ext>
+          </a:extLst>
+        </p:spPr>
+      </p:pic>
+      <p:pic>
+        <p:nvPicPr>
+          <p:cNvPr id="1030" name="Picture 6" descr="Премиум векторы | Мультяшный персонаж, человек, держащий скейтборд">
+            <a:extLst>
+              <a:ext uri="{FF2B5EF4-FFF2-40B4-BE49-F238E27FC236}">
+                <a16:creationId xmlns:a16="http://schemas.microsoft.com/office/drawing/2014/main" id="{CAF22F94-C95B-43B0-B96A-0B2004F8180E}"/>
+              </a:ext>
+            </a:extLst>
+          </p:cNvPr>
+          <p:cNvPicPr>
+            <a:picLocks noChangeAspect="1" noChangeArrowheads="1"/>
+          </p:cNvPicPr>
+          <p:nvPr/>
+        </p:nvPicPr>
+        <p:blipFill rotWithShape="1">
+          <a:blip r:embed="rId3">
+            <a:extLst>
+              <a:ext uri="{28A0092B-C50C-407E-A947-70E740481C1C}">
+                <a14:useLocalDpi xmlns:a14="http://schemas.microsoft.com/office/drawing/2010/main" val="0"/>
+              </a:ext>
+            </a:extLst>
+          </a:blip>
+          <a:srcRect l="31141" r="27796"/>
+          <a:stretch/>
+        </p:blipFill>
+        <p:spPr bwMode="auto">
+          <a:xfrm>
+            <a:off x="7597849" y="786051"/>
+            <a:ext cx="1572502" cy="2703845"/>
+          </a:xfrm>
+          <a:prstGeom prst="rect">
+            <a:avLst/>
+          </a:prstGeom>
+          <a:noFill/>
+          <a:extLst>
+            <a:ext uri="{909E8E84-426E-40DD-AFC4-6F175D3DCCD1}">
+              <a14:hiddenFill xmlns:a14="http://schemas.microsoft.com/office/drawing/2010/main">
+                <a:solidFill>
+                  <a:srgbClr val="FFFFFF"/>
+                </a:solidFill>
+              </a14:hiddenFill>
+            </a:ext>
+          </a:extLst>
+        </p:spPr>
+      </p:pic>
+      <p:sp>
+        <p:nvSpPr>
+          <p:cNvPr id="3" name="TextBox 2">
+            <a:extLst>
+              <a:ext uri="{FF2B5EF4-FFF2-40B4-BE49-F238E27FC236}">
+                <a16:creationId xmlns:a16="http://schemas.microsoft.com/office/drawing/2014/main" id="{877BF784-ABDC-410D-9E6B-1E30853529F8}"/>
+              </a:ext>
+            </a:extLst>
+          </p:cNvPr>
+          <p:cNvSpPr txBox="1"/>
+          <p:nvPr/>
+        </p:nvSpPr>
+        <p:spPr>
+          <a:xfrm>
+            <a:off x="3274248" y="3515655"/>
+            <a:ext cx="764953" cy="461665"/>
+          </a:xfrm>
+          <a:prstGeom prst="rect">
+            <a:avLst/>
+          </a:prstGeom>
+          <a:noFill/>
+        </p:spPr>
+        <p:txBody>
+          <a:bodyPr wrap="none" rtlCol="0">
+            <a:spAutoFit/>
+          </a:bodyPr>
+          <a:lstStyle/>
+          <a:p>
+            <a:r>
+              <a:rPr lang="en-US" sz="2400" b="1" dirty="0">
+                <a:solidFill>
+                  <a:schemeClr val="accent6">
+                    <a:lumMod val="75000"/>
+                  </a:schemeClr>
+                </a:solidFill>
+              </a:rPr>
+              <a:t>Unit</a:t>
+            </a:r>
+            <a:endParaRPr lang="ru-RU" sz="2400" b="1" dirty="0">
+              <a:solidFill>
+                <a:schemeClr val="accent6">
+                  <a:lumMod val="75000"/>
+                </a:schemeClr>
+              </a:solidFill>
+            </a:endParaRPr>
+          </a:p>
+        </p:txBody>
+      </p:sp>
+      <p:sp>
+        <p:nvSpPr>
+          <p:cNvPr id="10" name="TextBox 9">
+            <a:extLst>
+              <a:ext uri="{FF2B5EF4-FFF2-40B4-BE49-F238E27FC236}">
+                <a16:creationId xmlns:a16="http://schemas.microsoft.com/office/drawing/2014/main" id="{4FDA1067-393B-404A-BF6A-A53808197755}"/>
+              </a:ext>
+            </a:extLst>
+          </p:cNvPr>
+          <p:cNvSpPr txBox="1"/>
+          <p:nvPr/>
+        </p:nvSpPr>
+        <p:spPr>
+          <a:xfrm>
+            <a:off x="7725053" y="3510799"/>
+            <a:ext cx="1160895" cy="461665"/>
+          </a:xfrm>
+          <a:prstGeom prst="rect">
+            <a:avLst/>
+          </a:prstGeom>
+          <a:noFill/>
+        </p:spPr>
+        <p:txBody>
+          <a:bodyPr wrap="none" rtlCol="0">
+            <a:spAutoFit/>
+          </a:bodyPr>
+          <a:lstStyle/>
+          <a:p>
+            <a:r>
+              <a:rPr lang="en-US" sz="2400" b="1" dirty="0">
+                <a:solidFill>
+                  <a:schemeClr val="accent6">
+                    <a:lumMod val="75000"/>
+                  </a:schemeClr>
+                </a:solidFill>
+              </a:rPr>
+              <a:t>Human</a:t>
+            </a:r>
+            <a:endParaRPr lang="ru-RU" sz="2400" b="1" dirty="0">
+              <a:solidFill>
+                <a:schemeClr val="accent6">
+                  <a:lumMod val="75000"/>
+                </a:schemeClr>
+              </a:solidFill>
+            </a:endParaRPr>
+          </a:p>
+        </p:txBody>
+      </p:sp>
+      <p:sp>
+        <p:nvSpPr>
+          <p:cNvPr id="12" name="Стрелка: вправо 11">
+            <a:extLst>
+              <a:ext uri="{FF2B5EF4-FFF2-40B4-BE49-F238E27FC236}">
+                <a16:creationId xmlns:a16="http://schemas.microsoft.com/office/drawing/2014/main" id="{FE088365-D6A2-4F4B-B907-F321FE349961}"/>
+              </a:ext>
+            </a:extLst>
+          </p:cNvPr>
+          <p:cNvSpPr/>
+          <p:nvPr/>
+        </p:nvSpPr>
+        <p:spPr>
+          <a:xfrm>
+            <a:off x="5479603" y="1885312"/>
+            <a:ext cx="978408" cy="484632"/>
+          </a:xfrm>
+          <a:prstGeom prst="rightArrow">
+            <a:avLst/>
+          </a:prstGeom>
+        </p:spPr>
+        <p:style>
+          <a:lnRef idx="2">
+            <a:schemeClr val="accent1">
+              <a:shade val="50000"/>
+            </a:schemeClr>
+          </a:lnRef>
+          <a:fillRef idx="1">
+            <a:schemeClr val="accent1"/>
+          </a:fillRef>
+          <a:effectRef idx="0">
+            <a:schemeClr val="accent1"/>
+          </a:effectRef>
+          <a:fontRef idx="minor">
+            <a:schemeClr val="lt1"/>
+          </a:fontRef>
+        </p:style>
+        <p:txBody>
+          <a:bodyPr rtlCol="0" anchor="ctr"/>
+          <a:lstStyle/>
+          <a:p>
+            <a:pPr algn="ctr"/>
+            <a:endParaRPr lang="ru-RU"/>
+          </a:p>
+        </p:txBody>
+      </p:sp>
+    </p:spTree>
+    <p:extLst>
+      <p:ext uri="{BB962C8B-B14F-4D97-AF65-F5344CB8AC3E}">
+        <p14:creationId xmlns:p14="http://schemas.microsoft.com/office/powerpoint/2010/main" val="1595845251"/>
       </p:ext>
     </p:extLst>
   </p:cSld>
